--- a/documentation/presentatie examen berkay onal.pptx
+++ b/documentation/presentatie examen berkay onal.pptx
@@ -12707,8 +12707,8 @@
         </p:nvSpPr>
         <p:spPr>
           <a:xfrm>
-            <a:off x="6242960" y="1031002"/>
-            <a:ext cx="5288049" cy="5266922"/>
+            <a:off x="5993028" y="1031000"/>
+            <a:ext cx="5537982" cy="5826999"/>
           </a:xfrm>
           <a:prstGeom prst="rect">
             <a:avLst/>
@@ -12720,582 +12720,878 @@
           </a:bodyPr>
           <a:lstStyle/>
           <a:p>
-            <a:pPr>
-              <a:lnSpc>
-                <a:spcPct val="110000"/>
-              </a:lnSpc>
-              <a:spcAft>
-                <a:spcPts val="600"/>
-              </a:spcAft>
-              <a:buSzPct val="87000"/>
+            <a:pPr algn="l"/>
+            <a:r>
+              <a:rPr lang="en-GB" sz="1400" b="1" i="0" dirty="0">
+                <a:effectLst/>
+                <a:latin typeface="Grandview Display" panose="020B0502040204020203" pitchFamily="34" charset="0"/>
+              </a:rPr>
+              <a:t>Project </a:t>
+            </a:r>
+            <a:r>
+              <a:rPr lang="en-GB" sz="1400" b="1" i="0" dirty="0" err="1">
+                <a:effectLst/>
+                <a:latin typeface="Grandview Display" panose="020B0502040204020203" pitchFamily="34" charset="0"/>
+              </a:rPr>
+              <a:t>Overzicht</a:t>
+            </a:r>
+            <a:endParaRPr lang="en-GB" sz="1400" b="1" i="0" dirty="0">
+              <a:effectLst/>
+              <a:latin typeface="Grandview Display" panose="020B0502040204020203" pitchFamily="34" charset="0"/>
+            </a:endParaRPr>
+          </a:p>
+          <a:p>
+            <a:pPr algn="l">
               <a:buFont typeface="Arial" panose="020B0604020202020204" pitchFamily="34" charset="0"/>
               <a:buChar char="•"/>
             </a:pPr>
             <a:r>
-              <a:rPr lang="en-US" sz="1400" b="1" i="0" dirty="0">
-                <a:effectLst/>
-              </a:rPr>
-              <a:t>Project </a:t>
-            </a:r>
-            <a:r>
-              <a:rPr lang="en-US" sz="1400" b="1" i="0" dirty="0" err="1">
-                <a:effectLst/>
-              </a:rPr>
-              <a:t>Overzicht</a:t>
-            </a:r>
-            <a:endParaRPr lang="en-US" sz="1400" b="1" i="0" dirty="0">
+              <a:rPr lang="en-GB" sz="1400" b="1" i="0" dirty="0">
+                <a:effectLst/>
+                <a:latin typeface="Grandview Display" panose="020B0502040204020203" pitchFamily="34" charset="0"/>
+              </a:rPr>
+              <a:t>Project</a:t>
+            </a:r>
+            <a:r>
+              <a:rPr lang="en-GB" sz="1400" b="0" i="0" dirty="0">
+                <a:effectLst/>
+                <a:latin typeface="Grandview Display" panose="020B0502040204020203" pitchFamily="34" charset="0"/>
+              </a:rPr>
+              <a:t>: </a:t>
+            </a:r>
+            <a:r>
+              <a:rPr lang="en-GB" sz="1400" b="0" i="0" dirty="0" err="1">
+                <a:effectLst/>
+                <a:latin typeface="Grandview Display" panose="020B0502040204020203" pitchFamily="34" charset="0"/>
+              </a:rPr>
+              <a:t>Lerox</a:t>
+            </a:r>
+            <a:r>
+              <a:rPr lang="en-GB" sz="1400" b="0" i="0" dirty="0">
+                <a:effectLst/>
+                <a:latin typeface="Grandview Display" panose="020B0502040204020203" pitchFamily="34" charset="0"/>
+              </a:rPr>
+              <a:t> </a:t>
+            </a:r>
+            <a:r>
+              <a:rPr lang="en-GB" sz="1400" b="0" i="0" dirty="0" err="1">
+                <a:effectLst/>
+                <a:latin typeface="Grandview Display" panose="020B0502040204020203" pitchFamily="34" charset="0"/>
+              </a:rPr>
+              <a:t>Motoren</a:t>
+            </a:r>
+            <a:r>
+              <a:rPr lang="en-GB" sz="1400" b="0" i="0" dirty="0">
+                <a:effectLst/>
+                <a:latin typeface="Grandview Display" panose="020B0502040204020203" pitchFamily="34" charset="0"/>
+              </a:rPr>
+              <a:t> </a:t>
+            </a:r>
+            <a:r>
+              <a:rPr lang="en-GB" sz="1400" b="0" i="0" dirty="0" err="1">
+                <a:effectLst/>
+                <a:latin typeface="Grandview Display" panose="020B0502040204020203" pitchFamily="34" charset="0"/>
+              </a:rPr>
+              <a:t>webapplicatie</a:t>
+            </a:r>
+            <a:endParaRPr lang="en-GB" sz="1400" b="0" i="0" dirty="0">
               <a:effectLst/>
+              <a:latin typeface="Grandview Display" panose="020B0502040204020203" pitchFamily="34" charset="0"/>
             </a:endParaRPr>
           </a:p>
           <a:p>
-            <a:pPr>
-              <a:lnSpc>
-                <a:spcPct val="110000"/>
-              </a:lnSpc>
-              <a:spcAft>
-                <a:spcPts val="600"/>
-              </a:spcAft>
-              <a:buSzPct val="87000"/>
+            <a:pPr algn="l">
               <a:buFont typeface="Arial" panose="020B0604020202020204" pitchFamily="34" charset="0"/>
               <a:buChar char="•"/>
             </a:pPr>
             <a:r>
-              <a:rPr lang="en-US" sz="1400" b="1" i="0" dirty="0">
-                <a:effectLst/>
-              </a:rPr>
-              <a:t>Project</a:t>
-            </a:r>
-            <a:r>
-              <a:rPr lang="en-US" sz="1400" b="0" i="0" dirty="0">
-                <a:effectLst/>
-              </a:rPr>
-              <a:t>: </a:t>
-            </a:r>
-            <a:r>
-              <a:rPr lang="en-US" sz="1400" b="0" i="0" dirty="0" err="1">
-                <a:effectLst/>
-              </a:rPr>
-              <a:t>Lerox</a:t>
-            </a:r>
-            <a:r>
-              <a:rPr lang="en-US" sz="1400" b="0" i="0" dirty="0">
-                <a:effectLst/>
-              </a:rPr>
-              <a:t> </a:t>
-            </a:r>
-            <a:r>
-              <a:rPr lang="en-US" sz="1400" b="0" i="0" dirty="0" err="1">
-                <a:effectLst/>
-              </a:rPr>
-              <a:t>Motoren</a:t>
-            </a:r>
-            <a:r>
-              <a:rPr lang="en-US" sz="1400" b="0" i="0" dirty="0">
-                <a:effectLst/>
-              </a:rPr>
-              <a:t> </a:t>
-            </a:r>
-            <a:r>
-              <a:rPr lang="en-US" sz="1400" b="0" i="0" dirty="0" err="1">
-                <a:effectLst/>
-              </a:rPr>
-              <a:t>webapplicatie</a:t>
-            </a:r>
-            <a:endParaRPr lang="en-US" sz="1400" b="0" i="0" dirty="0">
-              <a:effectLst/>
-            </a:endParaRPr>
-          </a:p>
-          <a:p>
-            <a:pPr>
-              <a:lnSpc>
-                <a:spcPct val="110000"/>
-              </a:lnSpc>
-              <a:spcAft>
-                <a:spcPts val="600"/>
-              </a:spcAft>
-              <a:buSzPct val="87000"/>
+              <a:rPr lang="en-GB" sz="1400" b="1" i="0" dirty="0" err="1">
+                <a:effectLst/>
+                <a:latin typeface="Grandview Display" panose="020B0502040204020203" pitchFamily="34" charset="0"/>
+              </a:rPr>
+              <a:t>Periode</a:t>
+            </a:r>
+            <a:r>
+              <a:rPr lang="en-GB" sz="1400" b="0" i="0" dirty="0">
+                <a:effectLst/>
+                <a:latin typeface="Grandview Display" panose="020B0502040204020203" pitchFamily="34" charset="0"/>
+              </a:rPr>
+              <a:t>: 23 </a:t>
+            </a:r>
+            <a:r>
+              <a:rPr lang="en-GB" sz="1400" b="0" i="0" dirty="0" err="1">
+                <a:effectLst/>
+                <a:latin typeface="Grandview Display" panose="020B0502040204020203" pitchFamily="34" charset="0"/>
+              </a:rPr>
+              <a:t>mei</a:t>
+            </a:r>
+            <a:r>
+              <a:rPr lang="en-GB" sz="1400" b="0" i="0" dirty="0">
+                <a:effectLst/>
+                <a:latin typeface="Grandview Display" panose="020B0502040204020203" pitchFamily="34" charset="0"/>
+              </a:rPr>
+              <a:t> - 31 </a:t>
+            </a:r>
+            <a:r>
+              <a:rPr lang="en-GB" sz="1400" b="0" i="0" dirty="0" err="1">
+                <a:effectLst/>
+                <a:latin typeface="Grandview Display" panose="020B0502040204020203" pitchFamily="34" charset="0"/>
+              </a:rPr>
+              <a:t>mei</a:t>
+            </a:r>
+            <a:r>
+              <a:rPr lang="en-GB" sz="1400" b="0" i="0" dirty="0">
+                <a:effectLst/>
+                <a:latin typeface="Grandview Display" panose="020B0502040204020203" pitchFamily="34" charset="0"/>
+              </a:rPr>
+              <a:t> 2025</a:t>
+            </a:r>
+          </a:p>
+          <a:p>
+            <a:pPr algn="l">
               <a:buFont typeface="Arial" panose="020B0604020202020204" pitchFamily="34" charset="0"/>
               <a:buChar char="•"/>
             </a:pPr>
             <a:r>
-              <a:rPr lang="en-US" sz="1400" b="1" i="0" dirty="0" err="1">
-                <a:effectLst/>
-              </a:rPr>
-              <a:t>Periode</a:t>
-            </a:r>
-            <a:r>
-              <a:rPr lang="en-US" sz="1400" b="0" i="0" dirty="0">
-                <a:effectLst/>
-              </a:rPr>
-              <a:t>: 23 </a:t>
-            </a:r>
-            <a:r>
-              <a:rPr lang="en-US" sz="1400" b="0" i="0" dirty="0" err="1">
-                <a:effectLst/>
-              </a:rPr>
-              <a:t>mei</a:t>
-            </a:r>
-            <a:r>
-              <a:rPr lang="en-US" sz="1400" b="0" i="0" dirty="0">
-                <a:effectLst/>
-              </a:rPr>
-              <a:t> - 31 </a:t>
-            </a:r>
-            <a:r>
-              <a:rPr lang="en-US" sz="1400" b="0" i="0" dirty="0" err="1">
-                <a:effectLst/>
-              </a:rPr>
-              <a:t>mei</a:t>
-            </a:r>
-            <a:r>
-              <a:rPr lang="en-US" sz="1400" b="0" i="0" dirty="0">
-                <a:effectLst/>
-              </a:rPr>
-              <a:t> 2025</a:t>
-            </a:r>
-          </a:p>
-          <a:p>
-            <a:pPr>
-              <a:lnSpc>
-                <a:spcPct val="110000"/>
-              </a:lnSpc>
-              <a:spcAft>
-                <a:spcPts val="600"/>
-              </a:spcAft>
-              <a:buSzPct val="87000"/>
+              <a:rPr lang="en-GB" sz="1400" b="1" i="0" dirty="0">
+                <a:effectLst/>
+                <a:latin typeface="Grandview Display" panose="020B0502040204020203" pitchFamily="34" charset="0"/>
+              </a:rPr>
+              <a:t>Doel</a:t>
+            </a:r>
+            <a:r>
+              <a:rPr lang="en-GB" sz="1400" b="0" i="0" dirty="0">
+                <a:effectLst/>
+                <a:latin typeface="Grandview Display" panose="020B0502040204020203" pitchFamily="34" charset="0"/>
+              </a:rPr>
+              <a:t>: </a:t>
+            </a:r>
+            <a:r>
+              <a:rPr lang="en-GB" sz="1400" b="0" i="0" dirty="0" err="1">
+                <a:effectLst/>
+                <a:latin typeface="Grandview Display" panose="020B0502040204020203" pitchFamily="34" charset="0"/>
+              </a:rPr>
+              <a:t>Moderne</a:t>
+            </a:r>
+            <a:r>
+              <a:rPr lang="en-GB" sz="1400" b="0" i="0" dirty="0">
+                <a:effectLst/>
+                <a:latin typeface="Grandview Display" panose="020B0502040204020203" pitchFamily="34" charset="0"/>
+              </a:rPr>
+              <a:t> website </a:t>
+            </a:r>
+            <a:r>
+              <a:rPr lang="en-GB" sz="1400" b="0" i="0" dirty="0" err="1">
+                <a:effectLst/>
+                <a:latin typeface="Grandview Display" panose="020B0502040204020203" pitchFamily="34" charset="0"/>
+              </a:rPr>
+              <a:t>voor</a:t>
+            </a:r>
+            <a:r>
+              <a:rPr lang="en-GB" sz="1400" b="0" i="0" dirty="0">
+                <a:effectLst/>
+                <a:latin typeface="Grandview Display" panose="020B0502040204020203" pitchFamily="34" charset="0"/>
+              </a:rPr>
+              <a:t> </a:t>
+            </a:r>
+            <a:r>
+              <a:rPr lang="en-GB" sz="1400" b="0" i="0" dirty="0" err="1">
+                <a:effectLst/>
+                <a:latin typeface="Grandview Display" panose="020B0502040204020203" pitchFamily="34" charset="0"/>
+              </a:rPr>
+              <a:t>scooterverkoop</a:t>
+            </a:r>
+            <a:r>
+              <a:rPr lang="en-GB" sz="1400" b="0" i="0" dirty="0">
+                <a:effectLst/>
+                <a:latin typeface="Grandview Display" panose="020B0502040204020203" pitchFamily="34" charset="0"/>
+              </a:rPr>
+              <a:t> met </a:t>
+            </a:r>
+            <a:r>
+              <a:rPr lang="en-GB" sz="1400" b="0" i="0" dirty="0" err="1">
+                <a:effectLst/>
+                <a:latin typeface="Grandview Display" panose="020B0502040204020203" pitchFamily="34" charset="0"/>
+              </a:rPr>
+              <a:t>fotobeheer</a:t>
+            </a:r>
+            <a:endParaRPr lang="en-GB" sz="1400" b="0" i="0" dirty="0">
+              <a:effectLst/>
+              <a:latin typeface="Grandview Display" panose="020B0502040204020203" pitchFamily="34" charset="0"/>
+            </a:endParaRPr>
+          </a:p>
+          <a:p>
+            <a:pPr algn="l"/>
+            <a:endParaRPr lang="en-GB" sz="1400" b="1" i="0" dirty="0">
+              <a:effectLst/>
+              <a:latin typeface="Grandview Display" panose="020B0502040204020203" pitchFamily="34" charset="0"/>
+            </a:endParaRPr>
+          </a:p>
+          <a:p>
+            <a:pPr algn="l"/>
+            <a:r>
+              <a:rPr lang="en-GB" sz="1400" b="1" i="0" dirty="0">
+                <a:effectLst/>
+                <a:latin typeface="Grandview Display" panose="020B0502040204020203" pitchFamily="34" charset="0"/>
+              </a:rPr>
+              <a:t>Planning &amp; </a:t>
+            </a:r>
+            <a:r>
+              <a:rPr lang="en-GB" sz="1400" b="1" i="0" dirty="0" err="1">
+                <a:effectLst/>
+                <a:latin typeface="Grandview Display" panose="020B0502040204020203" pitchFamily="34" charset="0"/>
+              </a:rPr>
+              <a:t>Methodiek</a:t>
+            </a:r>
+            <a:endParaRPr lang="en-GB" sz="1400" b="1" i="0" dirty="0">
+              <a:effectLst/>
+              <a:latin typeface="Grandview Display" panose="020B0502040204020203" pitchFamily="34" charset="0"/>
+            </a:endParaRPr>
+          </a:p>
+          <a:p>
+            <a:pPr algn="l">
               <a:buFont typeface="Arial" panose="020B0604020202020204" pitchFamily="34" charset="0"/>
               <a:buChar char="•"/>
             </a:pPr>
             <a:r>
-              <a:rPr lang="en-US" sz="1400" b="1" i="0" dirty="0">
-                <a:effectLst/>
-              </a:rPr>
-              <a:t>Doel</a:t>
-            </a:r>
-            <a:r>
-              <a:rPr lang="en-US" sz="1400" b="0" i="0" dirty="0">
-                <a:effectLst/>
-              </a:rPr>
-              <a:t>: </a:t>
-            </a:r>
-            <a:r>
-              <a:rPr lang="en-US" sz="1400" b="0" i="0" dirty="0" err="1">
-                <a:effectLst/>
-              </a:rPr>
-              <a:t>Moderne</a:t>
-            </a:r>
-            <a:r>
-              <a:rPr lang="en-US" sz="1400" b="0" i="0" dirty="0">
-                <a:effectLst/>
-              </a:rPr>
-              <a:t> website </a:t>
-            </a:r>
-            <a:r>
-              <a:rPr lang="en-US" sz="1400" b="0" i="0" dirty="0" err="1">
-                <a:effectLst/>
-              </a:rPr>
-              <a:t>voor</a:t>
-            </a:r>
-            <a:r>
-              <a:rPr lang="en-US" sz="1400" b="0" i="0" dirty="0">
-                <a:effectLst/>
+              <a:rPr lang="en-GB" sz="1400" b="0" i="0" dirty="0" err="1">
+                <a:effectLst/>
+                <a:latin typeface="Grandview Display" panose="020B0502040204020203" pitchFamily="34" charset="0"/>
+              </a:rPr>
+              <a:t>Incrementele</a:t>
+            </a:r>
+            <a:r>
+              <a:rPr lang="en-GB" sz="1400" b="0" i="0" dirty="0">
+                <a:effectLst/>
+                <a:latin typeface="Grandview Display" panose="020B0502040204020203" pitchFamily="34" charset="0"/>
               </a:rPr>
               <a:t> </a:t>
             </a:r>
             <a:r>
-              <a:rPr lang="en-US" sz="1400" b="0" i="0" dirty="0" err="1">
-                <a:effectLst/>
-              </a:rPr>
-              <a:t>scooterverkoop</a:t>
-            </a:r>
-            <a:r>
-              <a:rPr lang="en-US" sz="1400" b="0" i="0" dirty="0">
-                <a:effectLst/>
+              <a:rPr lang="en-GB" sz="1400" b="0" i="0" dirty="0" err="1">
+                <a:effectLst/>
+                <a:latin typeface="Grandview Display" panose="020B0502040204020203" pitchFamily="34" charset="0"/>
+              </a:rPr>
+              <a:t>ontwikkeling</a:t>
+            </a:r>
+            <a:r>
+              <a:rPr lang="en-GB" sz="1400" b="0" i="0" dirty="0">
+                <a:effectLst/>
+                <a:latin typeface="Grandview Display" panose="020B0502040204020203" pitchFamily="34" charset="0"/>
               </a:rPr>
               <a:t> met </a:t>
             </a:r>
             <a:r>
-              <a:rPr lang="en-US" sz="1400" b="0" i="0" dirty="0" err="1">
-                <a:effectLst/>
-              </a:rPr>
-              <a:t>fotobeheer</a:t>
-            </a:r>
-            <a:endParaRPr lang="en-US" sz="1400" b="0" i="0" dirty="0">
+              <a:rPr lang="en-GB" sz="1400" b="0" i="0" dirty="0" err="1">
+                <a:effectLst/>
+                <a:latin typeface="Grandview Display" panose="020B0502040204020203" pitchFamily="34" charset="0"/>
+              </a:rPr>
+              <a:t>duidelijke</a:t>
+            </a:r>
+            <a:r>
+              <a:rPr lang="en-GB" sz="1400" b="0" i="0" dirty="0">
+                <a:effectLst/>
+                <a:latin typeface="Grandview Display" panose="020B0502040204020203" pitchFamily="34" charset="0"/>
+              </a:rPr>
+              <a:t> </a:t>
+            </a:r>
+            <a:r>
+              <a:rPr lang="en-GB" sz="1400" b="0" i="0" dirty="0" err="1">
+                <a:effectLst/>
+                <a:latin typeface="Grandview Display" panose="020B0502040204020203" pitchFamily="34" charset="0"/>
+              </a:rPr>
+              <a:t>mijlpalen</a:t>
+            </a:r>
+            <a:endParaRPr lang="en-GB" sz="1400" b="0" i="0" dirty="0">
               <a:effectLst/>
+              <a:latin typeface="Grandview Display" panose="020B0502040204020203" pitchFamily="34" charset="0"/>
             </a:endParaRPr>
           </a:p>
           <a:p>
-            <a:pPr>
-              <a:lnSpc>
-                <a:spcPct val="110000"/>
-              </a:lnSpc>
-              <a:spcAft>
-                <a:spcPts val="600"/>
-              </a:spcAft>
-              <a:buSzPct val="87000"/>
+            <a:pPr algn="l">
               <a:buFont typeface="Arial" panose="020B0604020202020204" pitchFamily="34" charset="0"/>
               <a:buChar char="•"/>
             </a:pPr>
             <a:r>
-              <a:rPr lang="en-US" sz="1400" b="1" i="0" dirty="0">
-                <a:effectLst/>
-              </a:rPr>
-              <a:t>Planning &amp; </a:t>
-            </a:r>
-            <a:r>
-              <a:rPr lang="en-US" sz="1400" b="1" i="0" dirty="0" err="1">
-                <a:effectLst/>
-              </a:rPr>
-              <a:t>Methodiek</a:t>
-            </a:r>
-            <a:endParaRPr lang="en-US" sz="1400" b="1" i="0" dirty="0">
-              <a:effectLst/>
-            </a:endParaRPr>
-          </a:p>
-          <a:p>
-            <a:pPr>
-              <a:lnSpc>
-                <a:spcPct val="110000"/>
-              </a:lnSpc>
-              <a:spcAft>
-                <a:spcPts val="600"/>
-              </a:spcAft>
-              <a:buSzPct val="87000"/>
+              <a:rPr lang="en-GB" sz="1400" b="0" i="0" dirty="0" err="1">
+                <a:effectLst/>
+                <a:latin typeface="Grandview Display" panose="020B0502040204020203" pitchFamily="34" charset="0"/>
+              </a:rPr>
+              <a:t>Gestructureerde</a:t>
+            </a:r>
+            <a:r>
+              <a:rPr lang="en-GB" sz="1400" b="0" i="0" dirty="0">
+                <a:effectLst/>
+                <a:latin typeface="Grandview Display" panose="020B0502040204020203" pitchFamily="34" charset="0"/>
+              </a:rPr>
+              <a:t> </a:t>
+            </a:r>
+            <a:r>
+              <a:rPr lang="en-GB" sz="1400" b="0" i="0" dirty="0" err="1">
+                <a:effectLst/>
+                <a:latin typeface="Grandview Display" panose="020B0502040204020203" pitchFamily="34" charset="0"/>
+              </a:rPr>
+              <a:t>fasering</a:t>
+            </a:r>
+            <a:r>
+              <a:rPr lang="en-GB" sz="1400" b="0" i="0" dirty="0">
+                <a:effectLst/>
+                <a:latin typeface="Grandview Display" panose="020B0502040204020203" pitchFamily="34" charset="0"/>
+              </a:rPr>
+              <a:t>:</a:t>
+            </a:r>
+          </a:p>
+          <a:p>
+            <a:pPr marL="742950" lvl="1" indent="-285750" algn="l">
               <a:buFont typeface="Arial" panose="020B0604020202020204" pitchFamily="34" charset="0"/>
               <a:buChar char="•"/>
             </a:pPr>
             <a:r>
-              <a:rPr lang="en-US" sz="1400" b="0" i="0" dirty="0" err="1">
-                <a:effectLst/>
-              </a:rPr>
-              <a:t>Incrementele</a:t>
-            </a:r>
-            <a:r>
-              <a:rPr lang="en-US" sz="1400" b="0" i="0" dirty="0">
-                <a:effectLst/>
-              </a:rPr>
-              <a:t> </a:t>
-            </a:r>
-            <a:r>
-              <a:rPr lang="en-US" sz="1400" b="0" i="0" dirty="0" err="1">
-                <a:effectLst/>
-              </a:rPr>
-              <a:t>ontwikkeling</a:t>
-            </a:r>
-            <a:r>
-              <a:rPr lang="en-US" sz="1400" b="0" i="0" dirty="0">
-                <a:effectLst/>
-              </a:rPr>
-              <a:t> met </a:t>
-            </a:r>
-            <a:r>
-              <a:rPr lang="en-US" sz="1400" b="0" i="0" dirty="0" err="1">
-                <a:effectLst/>
-              </a:rPr>
-              <a:t>duidelijke</a:t>
-            </a:r>
-            <a:r>
-              <a:rPr lang="en-US" sz="1400" b="0" i="0" dirty="0">
-                <a:effectLst/>
-              </a:rPr>
-              <a:t> </a:t>
-            </a:r>
-            <a:r>
-              <a:rPr lang="en-US" sz="1400" b="0" i="0" dirty="0" err="1">
-                <a:effectLst/>
-              </a:rPr>
-              <a:t>mijlpalen</a:t>
-            </a:r>
-            <a:endParaRPr lang="en-US" sz="1400" b="0" i="0" dirty="0">
-              <a:effectLst/>
-            </a:endParaRPr>
-          </a:p>
-          <a:p>
-            <a:pPr>
-              <a:lnSpc>
-                <a:spcPct val="110000"/>
-              </a:lnSpc>
-              <a:spcAft>
-                <a:spcPts val="600"/>
-              </a:spcAft>
-              <a:buSzPct val="87000"/>
+              <a:rPr lang="en-GB" sz="1400" b="0" i="0" dirty="0">
+                <a:effectLst/>
+                <a:latin typeface="Grandview Display" panose="020B0502040204020203" pitchFamily="34" charset="0"/>
+              </a:rPr>
+              <a:t>Analyse &amp; requirements (23-24 </a:t>
+            </a:r>
+            <a:r>
+              <a:rPr lang="en-GB" sz="1400" b="0" i="0" dirty="0" err="1">
+                <a:effectLst/>
+                <a:latin typeface="Grandview Display" panose="020B0502040204020203" pitchFamily="34" charset="0"/>
+              </a:rPr>
+              <a:t>mei</a:t>
+            </a:r>
+            <a:r>
+              <a:rPr lang="en-GB" sz="1400" b="0" i="0" dirty="0">
+                <a:effectLst/>
+                <a:latin typeface="Grandview Display" panose="020B0502040204020203" pitchFamily="34" charset="0"/>
+              </a:rPr>
+              <a:t>)</a:t>
+            </a:r>
+          </a:p>
+          <a:p>
+            <a:pPr marL="742950" lvl="1" indent="-285750" algn="l">
               <a:buFont typeface="Arial" panose="020B0604020202020204" pitchFamily="34" charset="0"/>
               <a:buChar char="•"/>
             </a:pPr>
             <a:r>
-              <a:rPr lang="en-US" sz="1400" b="0" i="0" dirty="0" err="1">
-                <a:effectLst/>
-              </a:rPr>
-              <a:t>Gestructureerde</a:t>
-            </a:r>
-            <a:r>
-              <a:rPr lang="en-US" sz="1400" b="0" i="0" dirty="0">
-                <a:effectLst/>
-              </a:rPr>
-              <a:t> </a:t>
-            </a:r>
-            <a:r>
-              <a:rPr lang="en-US" sz="1400" b="0" i="0" dirty="0" err="1">
-                <a:effectLst/>
-              </a:rPr>
-              <a:t>fasering</a:t>
-            </a:r>
-            <a:r>
-              <a:rPr lang="en-US" sz="1400" b="0" i="0" dirty="0">
-                <a:effectLst/>
-              </a:rPr>
-              <a:t>:</a:t>
-            </a:r>
-          </a:p>
-          <a:p>
-            <a:pPr marL="742950" lvl="1" indent="-285750">
-              <a:lnSpc>
-                <a:spcPct val="110000"/>
-              </a:lnSpc>
-              <a:spcAft>
-                <a:spcPts val="600"/>
-              </a:spcAft>
-              <a:buSzPct val="87000"/>
+              <a:rPr lang="en-GB" sz="1400" b="0" i="0" dirty="0" err="1">
+                <a:effectLst/>
+                <a:latin typeface="Grandview Display" panose="020B0502040204020203" pitchFamily="34" charset="0"/>
+              </a:rPr>
+              <a:t>Ontwerp</a:t>
+            </a:r>
+            <a:r>
+              <a:rPr lang="en-GB" sz="1400" b="0" i="0" dirty="0">
+                <a:effectLst/>
+                <a:latin typeface="Grandview Display" panose="020B0502040204020203" pitchFamily="34" charset="0"/>
+              </a:rPr>
+              <a:t> (database, UI) (24-26 </a:t>
+            </a:r>
+            <a:r>
+              <a:rPr lang="en-GB" sz="1400" b="0" i="0" dirty="0" err="1">
+                <a:effectLst/>
+                <a:latin typeface="Grandview Display" panose="020B0502040204020203" pitchFamily="34" charset="0"/>
+              </a:rPr>
+              <a:t>mei</a:t>
+            </a:r>
+            <a:r>
+              <a:rPr lang="en-GB" sz="1400" b="0" i="0" dirty="0">
+                <a:effectLst/>
+                <a:latin typeface="Grandview Display" panose="020B0502040204020203" pitchFamily="34" charset="0"/>
+              </a:rPr>
+              <a:t>)</a:t>
+            </a:r>
+          </a:p>
+          <a:p>
+            <a:pPr marL="742950" lvl="1" indent="-285750" algn="l">
               <a:buFont typeface="Arial" panose="020B0604020202020204" pitchFamily="34" charset="0"/>
               <a:buChar char="•"/>
             </a:pPr>
             <a:r>
-              <a:rPr lang="en-US" sz="1400" b="0" i="0" dirty="0" err="1">
-                <a:effectLst/>
-              </a:rPr>
-              <a:t>Analyse</a:t>
-            </a:r>
-            <a:r>
-              <a:rPr lang="en-US" sz="1400" b="0" i="0" dirty="0">
-                <a:effectLst/>
-              </a:rPr>
-              <a:t> &amp; requirements</a:t>
-            </a:r>
-          </a:p>
-          <a:p>
-            <a:pPr marL="742950" lvl="1" indent="-285750">
-              <a:lnSpc>
-                <a:spcPct val="110000"/>
-              </a:lnSpc>
-              <a:spcAft>
-                <a:spcPts val="600"/>
-              </a:spcAft>
-              <a:buSzPct val="87000"/>
+              <a:rPr lang="en-GB" sz="1400" b="0" i="0" dirty="0" err="1">
+                <a:effectLst/>
+                <a:latin typeface="Grandview Display" panose="020B0502040204020203" pitchFamily="34" charset="0"/>
+              </a:rPr>
+              <a:t>Implementatie</a:t>
+            </a:r>
+            <a:r>
+              <a:rPr lang="en-GB" sz="1400" b="0" i="0" dirty="0">
+                <a:effectLst/>
+                <a:latin typeface="Grandview Display" panose="020B0502040204020203" pitchFamily="34" charset="0"/>
+              </a:rPr>
+              <a:t> (26-29 </a:t>
+            </a:r>
+            <a:r>
+              <a:rPr lang="en-GB" sz="1400" b="0" i="0" dirty="0" err="1">
+                <a:effectLst/>
+                <a:latin typeface="Grandview Display" panose="020B0502040204020203" pitchFamily="34" charset="0"/>
+              </a:rPr>
+              <a:t>mei</a:t>
+            </a:r>
+            <a:r>
+              <a:rPr lang="en-GB" sz="1400" b="0" i="0" dirty="0">
+                <a:effectLst/>
+                <a:latin typeface="Grandview Display" panose="020B0502040204020203" pitchFamily="34" charset="0"/>
+              </a:rPr>
+              <a:t>)</a:t>
+            </a:r>
+          </a:p>
+          <a:p>
+            <a:pPr marL="742950" lvl="1" indent="-285750" algn="l">
               <a:buFont typeface="Arial" panose="020B0604020202020204" pitchFamily="34" charset="0"/>
               <a:buChar char="•"/>
             </a:pPr>
             <a:r>
-              <a:rPr lang="en-US" sz="1400" b="0" i="0" dirty="0" err="1">
-                <a:effectLst/>
-              </a:rPr>
-              <a:t>Ontwerp</a:t>
-            </a:r>
-            <a:r>
-              <a:rPr lang="en-US" sz="1400" b="0" i="0" dirty="0">
-                <a:effectLst/>
-              </a:rPr>
-              <a:t> (database, UI)</a:t>
-            </a:r>
-          </a:p>
-          <a:p>
-            <a:pPr marL="742950" lvl="1" indent="-285750">
-              <a:lnSpc>
-                <a:spcPct val="110000"/>
-              </a:lnSpc>
-              <a:spcAft>
-                <a:spcPts val="600"/>
-              </a:spcAft>
-              <a:buSzPct val="87000"/>
+              <a:rPr lang="en-GB" sz="1400" b="0" i="0" dirty="0" err="1">
+                <a:effectLst/>
+                <a:latin typeface="Grandview Display" panose="020B0502040204020203" pitchFamily="34" charset="0"/>
+              </a:rPr>
+              <a:t>Testen</a:t>
+            </a:r>
+            <a:r>
+              <a:rPr lang="en-GB" sz="1400" b="0" i="0" dirty="0">
+                <a:effectLst/>
+                <a:latin typeface="Grandview Display" panose="020B0502040204020203" pitchFamily="34" charset="0"/>
+              </a:rPr>
+              <a:t> &amp; </a:t>
+            </a:r>
+            <a:r>
+              <a:rPr lang="en-GB" sz="1400" b="0" i="0" dirty="0" err="1">
+                <a:effectLst/>
+                <a:latin typeface="Grandview Display" panose="020B0502040204020203" pitchFamily="34" charset="0"/>
+              </a:rPr>
+              <a:t>documentatie</a:t>
+            </a:r>
+            <a:r>
+              <a:rPr lang="en-GB" sz="1400" b="0" i="0" dirty="0">
+                <a:effectLst/>
+                <a:latin typeface="Grandview Display" panose="020B0502040204020203" pitchFamily="34" charset="0"/>
+              </a:rPr>
+              <a:t> (29-31 </a:t>
+            </a:r>
+            <a:r>
+              <a:rPr lang="en-GB" sz="1400" b="0" i="0" dirty="0" err="1">
+                <a:effectLst/>
+                <a:latin typeface="Grandview Display" panose="020B0502040204020203" pitchFamily="34" charset="0"/>
+              </a:rPr>
+              <a:t>mei</a:t>
+            </a:r>
+            <a:r>
+              <a:rPr lang="en-GB" sz="1400" b="0" i="0" dirty="0">
+                <a:effectLst/>
+                <a:latin typeface="Grandview Display" panose="020B0502040204020203" pitchFamily="34" charset="0"/>
+              </a:rPr>
+              <a:t>)</a:t>
+            </a:r>
+          </a:p>
+          <a:p>
+            <a:pPr algn="l"/>
+            <a:endParaRPr lang="en-GB" sz="1400" b="1" dirty="0">
+              <a:latin typeface="Grandview Display" panose="020B0502040204020203" pitchFamily="34" charset="0"/>
+            </a:endParaRPr>
+          </a:p>
+          <a:p>
+            <a:pPr algn="l"/>
+            <a:r>
+              <a:rPr lang="en-GB" sz="1400" b="1" i="0" dirty="0">
+                <a:effectLst/>
+                <a:latin typeface="Grandview Display" panose="020B0502040204020203" pitchFamily="34" charset="0"/>
+              </a:rPr>
+              <a:t>Planning </a:t>
+            </a:r>
+            <a:r>
+              <a:rPr lang="en-GB" sz="1400" b="1" i="0" dirty="0" err="1">
+                <a:effectLst/>
+                <a:latin typeface="Grandview Display" panose="020B0502040204020203" pitchFamily="34" charset="0"/>
+              </a:rPr>
+              <a:t>Producten</a:t>
+            </a:r>
+            <a:endParaRPr lang="en-GB" sz="1400" b="1" i="0" dirty="0">
+              <a:effectLst/>
+              <a:latin typeface="Grandview Display" panose="020B0502040204020203" pitchFamily="34" charset="0"/>
+            </a:endParaRPr>
+          </a:p>
+          <a:p>
+            <a:pPr algn="l">
               <a:buFont typeface="Arial" panose="020B0604020202020204" pitchFamily="34" charset="0"/>
               <a:buChar char="•"/>
             </a:pPr>
             <a:r>
-              <a:rPr lang="en-US" sz="1400" b="0" i="0" dirty="0" err="1">
-                <a:effectLst/>
-              </a:rPr>
-              <a:t>Implementatie</a:t>
-            </a:r>
-            <a:endParaRPr lang="en-US" sz="1400" b="0" i="0" dirty="0">
-              <a:effectLst/>
-            </a:endParaRPr>
-          </a:p>
-          <a:p>
-            <a:pPr marL="742950" lvl="1" indent="-285750">
-              <a:lnSpc>
-                <a:spcPct val="110000"/>
-              </a:lnSpc>
-              <a:spcAft>
-                <a:spcPts val="600"/>
-              </a:spcAft>
-              <a:buSzPct val="87000"/>
+              <a:rPr lang="en-GB" sz="1400" b="1" i="0" dirty="0">
+                <a:effectLst/>
+                <a:latin typeface="Grandview Display" panose="020B0502040204020203" pitchFamily="34" charset="0"/>
+              </a:rPr>
+              <a:t>Gantt chart</a:t>
+            </a:r>
+            <a:r>
+              <a:rPr lang="en-GB" sz="1400" b="0" i="0" dirty="0">
+                <a:effectLst/>
+                <a:latin typeface="Grandview Display" panose="020B0502040204020203" pitchFamily="34" charset="0"/>
+              </a:rPr>
+              <a:t>: </a:t>
+            </a:r>
+            <a:r>
+              <a:rPr lang="en-GB" sz="1400" b="0" i="0" dirty="0" err="1">
+                <a:effectLst/>
+                <a:latin typeface="Grandview Display" panose="020B0502040204020203" pitchFamily="34" charset="0"/>
+              </a:rPr>
+              <a:t>Visualisatie</a:t>
+            </a:r>
+            <a:r>
+              <a:rPr lang="en-GB" sz="1400" b="0" i="0" dirty="0">
+                <a:effectLst/>
+                <a:latin typeface="Grandview Display" panose="020B0502040204020203" pitchFamily="34" charset="0"/>
+              </a:rPr>
+              <a:t> van alle </a:t>
+            </a:r>
+            <a:r>
+              <a:rPr lang="en-GB" sz="1400" b="0" i="0" dirty="0" err="1">
+                <a:effectLst/>
+                <a:latin typeface="Grandview Display" panose="020B0502040204020203" pitchFamily="34" charset="0"/>
+              </a:rPr>
+              <a:t>projectfasen</a:t>
+            </a:r>
+            <a:r>
+              <a:rPr lang="en-GB" sz="1400" b="0" i="0" dirty="0">
+                <a:effectLst/>
+                <a:latin typeface="Grandview Display" panose="020B0502040204020203" pitchFamily="34" charset="0"/>
+              </a:rPr>
+              <a:t> </a:t>
+            </a:r>
+            <a:r>
+              <a:rPr lang="en-GB" sz="1400" b="0" i="0" dirty="0" err="1">
+                <a:effectLst/>
+                <a:latin typeface="Grandview Display" panose="020B0502040204020203" pitchFamily="34" charset="0"/>
+              </a:rPr>
+              <a:t>en</a:t>
+            </a:r>
+            <a:r>
+              <a:rPr lang="en-GB" sz="1400" b="0" i="0" dirty="0">
+                <a:effectLst/>
+                <a:latin typeface="Grandview Display" panose="020B0502040204020203" pitchFamily="34" charset="0"/>
+              </a:rPr>
+              <a:t> deadlines</a:t>
+            </a:r>
+          </a:p>
+          <a:p>
+            <a:pPr algn="l">
               <a:buFont typeface="Arial" panose="020B0604020202020204" pitchFamily="34" charset="0"/>
               <a:buChar char="•"/>
             </a:pPr>
             <a:r>
-              <a:rPr lang="en-US" sz="1400" b="0" i="0" dirty="0" err="1">
-                <a:effectLst/>
-              </a:rPr>
-              <a:t>Testen</a:t>
-            </a:r>
-            <a:r>
-              <a:rPr lang="en-US" sz="1400" b="0" i="0" dirty="0">
-                <a:effectLst/>
-              </a:rPr>
-              <a:t> &amp; </a:t>
-            </a:r>
-            <a:r>
-              <a:rPr lang="en-US" sz="1400" b="0" i="0" dirty="0" err="1">
-                <a:effectLst/>
-              </a:rPr>
-              <a:t>documentatie</a:t>
-            </a:r>
-            <a:endParaRPr lang="en-US" sz="1400" b="0" i="0" dirty="0">
+              <a:rPr lang="en-GB" sz="1400" b="1" i="0" dirty="0" err="1">
+                <a:effectLst/>
+                <a:latin typeface="Grandview Display" panose="020B0502040204020203" pitchFamily="34" charset="0"/>
+              </a:rPr>
+              <a:t>Sprintplanning</a:t>
+            </a:r>
+            <a:r>
+              <a:rPr lang="en-GB" sz="1400" b="0" i="0" dirty="0">
+                <a:effectLst/>
+                <a:latin typeface="Grandview Display" panose="020B0502040204020203" pitchFamily="34" charset="0"/>
+              </a:rPr>
+              <a:t>: </a:t>
+            </a:r>
+            <a:r>
+              <a:rPr lang="en-GB" sz="1400" b="0" i="0" dirty="0" err="1">
+                <a:effectLst/>
+                <a:latin typeface="Grandview Display" panose="020B0502040204020203" pitchFamily="34" charset="0"/>
+              </a:rPr>
+              <a:t>Dagelijkse</a:t>
+            </a:r>
+            <a:r>
+              <a:rPr lang="en-GB" sz="1400" b="0" i="0" dirty="0">
+                <a:effectLst/>
+                <a:latin typeface="Grandview Display" panose="020B0502040204020203" pitchFamily="34" charset="0"/>
+              </a:rPr>
+              <a:t> </a:t>
+            </a:r>
+            <a:r>
+              <a:rPr lang="en-GB" sz="1400" b="0" i="0" dirty="0" err="1">
+                <a:effectLst/>
+                <a:latin typeface="Grandview Display" panose="020B0502040204020203" pitchFamily="34" charset="0"/>
+              </a:rPr>
+              <a:t>en</a:t>
+            </a:r>
+            <a:r>
+              <a:rPr lang="en-GB" sz="1400" b="0" i="0" dirty="0">
+                <a:effectLst/>
+                <a:latin typeface="Grandview Display" panose="020B0502040204020203" pitchFamily="34" charset="0"/>
+              </a:rPr>
+              <a:t> </a:t>
+            </a:r>
+            <a:r>
+              <a:rPr lang="en-GB" sz="1400" b="0" i="0" dirty="0" err="1">
+                <a:effectLst/>
+                <a:latin typeface="Grandview Display" panose="020B0502040204020203" pitchFamily="34" charset="0"/>
+              </a:rPr>
+              <a:t>wekelijkse</a:t>
+            </a:r>
+            <a:r>
+              <a:rPr lang="en-GB" sz="1400" b="0" i="0" dirty="0">
+                <a:effectLst/>
+                <a:latin typeface="Grandview Display" panose="020B0502040204020203" pitchFamily="34" charset="0"/>
+              </a:rPr>
+              <a:t> </a:t>
+            </a:r>
+            <a:r>
+              <a:rPr lang="en-GB" sz="1400" b="0" i="0" dirty="0" err="1">
+                <a:effectLst/>
+                <a:latin typeface="Grandview Display" panose="020B0502040204020203" pitchFamily="34" charset="0"/>
+              </a:rPr>
+              <a:t>doelen</a:t>
+            </a:r>
+            <a:endParaRPr lang="en-GB" sz="1400" b="0" i="0" dirty="0">
               <a:effectLst/>
+              <a:latin typeface="Grandview Display" panose="020B0502040204020203" pitchFamily="34" charset="0"/>
             </a:endParaRPr>
           </a:p>
           <a:p>
-            <a:pPr>
-              <a:lnSpc>
-                <a:spcPct val="110000"/>
-              </a:lnSpc>
-              <a:spcAft>
-                <a:spcPts val="600"/>
-              </a:spcAft>
-              <a:buSzPct val="87000"/>
+            <a:pPr algn="l">
               <a:buFont typeface="Arial" panose="020B0604020202020204" pitchFamily="34" charset="0"/>
               <a:buChar char="•"/>
             </a:pPr>
             <a:r>
-              <a:rPr lang="en-US" sz="1400" b="1" i="0" dirty="0" err="1">
-                <a:effectLst/>
-              </a:rPr>
-              <a:t>Voortgangsbewaking</a:t>
-            </a:r>
-            <a:endParaRPr lang="en-US" sz="1400" b="1" i="0" dirty="0">
-              <a:effectLst/>
-            </a:endParaRPr>
-          </a:p>
-          <a:p>
-            <a:pPr>
-              <a:lnSpc>
-                <a:spcPct val="110000"/>
-              </a:lnSpc>
-              <a:spcAft>
-                <a:spcPts val="600"/>
-              </a:spcAft>
-              <a:buSzPct val="87000"/>
+              <a:rPr lang="en-GB" sz="1400" b="1" i="0" dirty="0" err="1">
+                <a:effectLst/>
+                <a:latin typeface="Grandview Display" panose="020B0502040204020203" pitchFamily="34" charset="0"/>
+              </a:rPr>
+              <a:t>Takenlijst</a:t>
+            </a:r>
+            <a:r>
+              <a:rPr lang="en-GB" sz="1400" b="0" i="0" dirty="0">
+                <a:effectLst/>
+                <a:latin typeface="Grandview Display" panose="020B0502040204020203" pitchFamily="34" charset="0"/>
+              </a:rPr>
+              <a:t>: </a:t>
+            </a:r>
+            <a:r>
+              <a:rPr lang="en-GB" sz="1400" b="0" i="0" dirty="0" err="1">
+                <a:effectLst/>
+                <a:latin typeface="Grandview Display" panose="020B0502040204020203" pitchFamily="34" charset="0"/>
+              </a:rPr>
+              <a:t>Geprioriteerde</a:t>
+            </a:r>
+            <a:r>
+              <a:rPr lang="en-GB" sz="1400" b="0" i="0" dirty="0">
+                <a:effectLst/>
+                <a:latin typeface="Grandview Display" panose="020B0502040204020203" pitchFamily="34" charset="0"/>
+              </a:rPr>
+              <a:t> backlog met user stories</a:t>
+            </a:r>
+          </a:p>
+          <a:p>
+            <a:pPr algn="l">
               <a:buFont typeface="Arial" panose="020B0604020202020204" pitchFamily="34" charset="0"/>
               <a:buChar char="•"/>
             </a:pPr>
             <a:r>
-              <a:rPr lang="en-US" sz="1400" b="0" i="0" dirty="0" err="1">
-                <a:effectLst/>
-              </a:rPr>
-              <a:t>Dagelijkse</a:t>
-            </a:r>
-            <a:r>
-              <a:rPr lang="en-US" sz="1400" b="0" i="0" dirty="0">
-                <a:effectLst/>
-              </a:rPr>
-              <a:t> </a:t>
-            </a:r>
-            <a:r>
-              <a:rPr lang="en-US" sz="1400" b="0" i="0" dirty="0" err="1">
-                <a:effectLst/>
-              </a:rPr>
-              <a:t>voortgangscontrole</a:t>
-            </a:r>
-            <a:endParaRPr lang="en-US" sz="1400" b="0" i="0" dirty="0">
+              <a:rPr lang="en-GB" sz="1400" b="1" i="0" dirty="0" err="1">
+                <a:effectLst/>
+                <a:latin typeface="Grandview Display" panose="020B0502040204020203" pitchFamily="34" charset="0"/>
+              </a:rPr>
+              <a:t>Tijdsregistratie</a:t>
+            </a:r>
+            <a:r>
+              <a:rPr lang="en-GB" sz="1400" b="0" i="0" dirty="0">
+                <a:effectLst/>
+                <a:latin typeface="Grandview Display" panose="020B0502040204020203" pitchFamily="34" charset="0"/>
+              </a:rPr>
+              <a:t>: </a:t>
+            </a:r>
+            <a:r>
+              <a:rPr lang="en-GB" sz="1400" b="0" i="0" dirty="0" err="1">
+                <a:effectLst/>
+                <a:latin typeface="Grandview Display" panose="020B0502040204020203" pitchFamily="34" charset="0"/>
+              </a:rPr>
+              <a:t>Urenverantwoording</a:t>
+            </a:r>
+            <a:r>
+              <a:rPr lang="en-GB" sz="1400" b="0" i="0" dirty="0">
+                <a:effectLst/>
+                <a:latin typeface="Grandview Display" panose="020B0502040204020203" pitchFamily="34" charset="0"/>
+              </a:rPr>
+              <a:t> per </a:t>
+            </a:r>
+            <a:r>
+              <a:rPr lang="en-GB" sz="1400" b="0" i="0" dirty="0" err="1">
+                <a:effectLst/>
+                <a:latin typeface="Grandview Display" panose="020B0502040204020203" pitchFamily="34" charset="0"/>
+              </a:rPr>
+              <a:t>onderdeel</a:t>
+            </a:r>
+            <a:endParaRPr lang="en-GB" sz="1400" b="0" i="0" dirty="0">
               <a:effectLst/>
+              <a:latin typeface="Grandview Display" panose="020B0502040204020203" pitchFamily="34" charset="0"/>
             </a:endParaRPr>
           </a:p>
           <a:p>
-            <a:pPr>
-              <a:lnSpc>
-                <a:spcPct val="110000"/>
-              </a:lnSpc>
-              <a:spcAft>
-                <a:spcPts val="600"/>
-              </a:spcAft>
-              <a:buSzPct val="87000"/>
+            <a:pPr algn="l"/>
+            <a:endParaRPr lang="en-GB" sz="1400" b="1" i="0" dirty="0">
+              <a:effectLst/>
+              <a:latin typeface="Grandview Display" panose="020B0502040204020203" pitchFamily="34" charset="0"/>
+            </a:endParaRPr>
+          </a:p>
+          <a:p>
+            <a:pPr algn="l"/>
+            <a:r>
+              <a:rPr lang="en-GB" sz="1400" b="1" i="0" dirty="0" err="1">
+                <a:effectLst/>
+                <a:latin typeface="Grandview Display" panose="020B0502040204020203" pitchFamily="34" charset="0"/>
+              </a:rPr>
+              <a:t>Voortgangsbewaking</a:t>
+            </a:r>
+            <a:endParaRPr lang="en-GB" sz="1400" b="1" i="0" dirty="0">
+              <a:effectLst/>
+              <a:latin typeface="Grandview Display" panose="020B0502040204020203" pitchFamily="34" charset="0"/>
+            </a:endParaRPr>
+          </a:p>
+          <a:p>
+            <a:pPr algn="l">
               <a:buFont typeface="Arial" panose="020B0604020202020204" pitchFamily="34" charset="0"/>
               <a:buChar char="•"/>
             </a:pPr>
             <a:r>
-              <a:rPr lang="en-US" sz="1400" b="0" i="0" dirty="0" err="1">
-                <a:effectLst/>
-              </a:rPr>
-              <a:t>Prioritering</a:t>
-            </a:r>
-            <a:r>
-              <a:rPr lang="en-US" sz="1400" b="0" i="0" dirty="0">
-                <a:effectLst/>
-              </a:rPr>
-              <a:t> van </a:t>
-            </a:r>
-            <a:r>
-              <a:rPr lang="en-US" sz="1400" b="0" i="0" dirty="0" err="1">
-                <a:effectLst/>
-              </a:rPr>
-              <a:t>kernelementen</a:t>
-            </a:r>
-            <a:endParaRPr lang="en-US" sz="1400" b="0" i="0" dirty="0">
-              <a:effectLst/>
-            </a:endParaRPr>
-          </a:p>
-          <a:p>
-            <a:pPr>
-              <a:lnSpc>
-                <a:spcPct val="110000"/>
-              </a:lnSpc>
-              <a:spcAft>
-                <a:spcPts val="600"/>
-              </a:spcAft>
-              <a:buSzPct val="87000"/>
+              <a:rPr lang="en-GB" sz="1400" b="0" i="0" dirty="0" err="1">
+                <a:effectLst/>
+                <a:latin typeface="Grandview Display" panose="020B0502040204020203" pitchFamily="34" charset="0"/>
+              </a:rPr>
+              <a:t>Dagelijkse</a:t>
+            </a:r>
+            <a:r>
+              <a:rPr lang="en-GB" sz="1400" b="0" i="0" dirty="0">
+                <a:effectLst/>
+                <a:latin typeface="Grandview Display" panose="020B0502040204020203" pitchFamily="34" charset="0"/>
+              </a:rPr>
+              <a:t> </a:t>
+            </a:r>
+            <a:r>
+              <a:rPr lang="en-GB" sz="1400" b="0" i="0" dirty="0" err="1">
+                <a:effectLst/>
+                <a:latin typeface="Grandview Display" panose="020B0502040204020203" pitchFamily="34" charset="0"/>
+              </a:rPr>
+              <a:t>voortgangscontrole</a:t>
+            </a:r>
+            <a:r>
+              <a:rPr lang="en-GB" sz="1400" b="0" i="0" dirty="0">
+                <a:effectLst/>
+                <a:latin typeface="Grandview Display" panose="020B0502040204020203" pitchFamily="34" charset="0"/>
+              </a:rPr>
+              <a:t> met burn-down chart</a:t>
+            </a:r>
+          </a:p>
+          <a:p>
+            <a:pPr algn="l">
               <a:buFont typeface="Arial" panose="020B0604020202020204" pitchFamily="34" charset="0"/>
               <a:buChar char="•"/>
             </a:pPr>
             <a:r>
-              <a:rPr lang="en-US" sz="1400" b="0" i="0" dirty="0" err="1">
-                <a:effectLst/>
-              </a:rPr>
-              <a:t>Bijhouden</a:t>
-            </a:r>
-            <a:r>
-              <a:rPr lang="en-US" sz="1400" b="0" i="0" dirty="0">
-                <a:effectLst/>
+              <a:rPr lang="en-GB" sz="1400" b="0" i="0" dirty="0" err="1">
+                <a:effectLst/>
+                <a:latin typeface="Grandview Display" panose="020B0502040204020203" pitchFamily="34" charset="0"/>
+              </a:rPr>
+              <a:t>Prioritering</a:t>
+            </a:r>
+            <a:r>
+              <a:rPr lang="en-GB" sz="1400" b="0" i="0" dirty="0">
+                <a:effectLst/>
+                <a:latin typeface="Grandview Display" panose="020B0502040204020203" pitchFamily="34" charset="0"/>
               </a:rPr>
               <a:t> van </a:t>
             </a:r>
             <a:r>
-              <a:rPr lang="en-US" sz="1400" b="0" i="0" dirty="0" err="1">
-                <a:effectLst/>
-              </a:rPr>
-              <a:t>openstaande</a:t>
-            </a:r>
-            <a:r>
-              <a:rPr lang="en-US" sz="1400" b="0" i="0" dirty="0">
-                <a:effectLst/>
-              </a:rPr>
-              <a:t> taken</a:t>
-            </a:r>
-          </a:p>
-          <a:p>
-            <a:pPr>
-              <a:lnSpc>
-                <a:spcPct val="110000"/>
-              </a:lnSpc>
-              <a:spcAft>
-                <a:spcPts val="600"/>
-              </a:spcAft>
-              <a:buSzPct val="87000"/>
+              <a:rPr lang="en-GB" sz="1400" b="0" i="0" dirty="0" err="1">
+                <a:effectLst/>
+                <a:latin typeface="Grandview Display" panose="020B0502040204020203" pitchFamily="34" charset="0"/>
+              </a:rPr>
+              <a:t>kernelementen</a:t>
+            </a:r>
+            <a:r>
+              <a:rPr lang="en-GB" sz="1400" b="0" i="0" dirty="0">
+                <a:effectLst/>
+                <a:latin typeface="Grandview Display" panose="020B0502040204020203" pitchFamily="34" charset="0"/>
+              </a:rPr>
+              <a:t> via </a:t>
+            </a:r>
+            <a:r>
+              <a:rPr lang="en-GB" sz="1400" b="0" i="0" dirty="0" err="1">
+                <a:effectLst/>
+                <a:latin typeface="Grandview Display" panose="020B0502040204020203" pitchFamily="34" charset="0"/>
+              </a:rPr>
+              <a:t>MoSCoW-methode</a:t>
+            </a:r>
+            <a:endParaRPr lang="en-GB" sz="1400" b="0" i="0" dirty="0">
+              <a:effectLst/>
+              <a:latin typeface="Grandview Display" panose="020B0502040204020203" pitchFamily="34" charset="0"/>
+            </a:endParaRPr>
+          </a:p>
+          <a:p>
+            <a:pPr algn="l">
               <a:buFont typeface="Arial" panose="020B0604020202020204" pitchFamily="34" charset="0"/>
               <a:buChar char="•"/>
             </a:pPr>
-            <a:br>
-              <a:rPr lang="en-US" sz="1400" dirty="0"/>
-            </a:br>
-            <a:endParaRPr lang="en-US" sz="1400" dirty="0"/>
+            <a:r>
+              <a:rPr lang="en-GB" sz="1400" b="0" i="0" dirty="0" err="1">
+                <a:effectLst/>
+                <a:latin typeface="Grandview Display" panose="020B0502040204020203" pitchFamily="34" charset="0"/>
+              </a:rPr>
+              <a:t>Bijhouden</a:t>
+            </a:r>
+            <a:r>
+              <a:rPr lang="en-GB" sz="1400" b="0" i="0" dirty="0">
+                <a:effectLst/>
+                <a:latin typeface="Grandview Display" panose="020B0502040204020203" pitchFamily="34" charset="0"/>
+              </a:rPr>
+              <a:t> van </a:t>
+            </a:r>
+            <a:r>
+              <a:rPr lang="en-GB" sz="1400" b="0" i="0" dirty="0" err="1">
+                <a:effectLst/>
+                <a:latin typeface="Grandview Display" panose="020B0502040204020203" pitchFamily="34" charset="0"/>
+              </a:rPr>
+              <a:t>openstaande</a:t>
+            </a:r>
+            <a:r>
+              <a:rPr lang="en-GB" sz="1400" b="0" i="0" dirty="0">
+                <a:effectLst/>
+                <a:latin typeface="Grandview Display" panose="020B0502040204020203" pitchFamily="34" charset="0"/>
+              </a:rPr>
+              <a:t> taken in Trello-board</a:t>
+            </a:r>
+          </a:p>
+          <a:p>
+            <a:pPr algn="l">
+              <a:buFont typeface="Arial" panose="020B0604020202020204" pitchFamily="34" charset="0"/>
+              <a:buChar char="•"/>
+            </a:pPr>
+            <a:r>
+              <a:rPr lang="en-GB" sz="1400" b="0" i="0" dirty="0" err="1">
+                <a:effectLst/>
+                <a:latin typeface="Grandview Display" panose="020B0502040204020203" pitchFamily="34" charset="0"/>
+              </a:rPr>
+              <a:t>Dagelijkse</a:t>
+            </a:r>
+            <a:r>
+              <a:rPr lang="en-GB" sz="1400" b="0" i="0" dirty="0">
+                <a:effectLst/>
+                <a:latin typeface="Grandview Display" panose="020B0502040204020203" pitchFamily="34" charset="0"/>
+              </a:rPr>
+              <a:t> stand-up meetings (</a:t>
+            </a:r>
+            <a:r>
+              <a:rPr lang="en-GB" sz="1400" b="0" i="0" dirty="0" err="1">
+                <a:effectLst/>
+                <a:latin typeface="Grandview Display" panose="020B0502040204020203" pitchFamily="34" charset="0"/>
+              </a:rPr>
+              <a:t>zelfstandig</a:t>
+            </a:r>
+            <a:r>
+              <a:rPr lang="en-GB" sz="1400" b="0" i="0" dirty="0">
+                <a:effectLst/>
+                <a:latin typeface="Grandview Display" panose="020B0502040204020203" pitchFamily="34" charset="0"/>
+              </a:rPr>
+              <a:t>)</a:t>
+            </a:r>
           </a:p>
         </p:txBody>
       </p:sp>
@@ -13431,7 +13727,7 @@
         </p:nvSpPr>
         <p:spPr>
           <a:xfrm>
-            <a:off x="6106657" y="1371600"/>
+            <a:off x="6106656" y="482365"/>
             <a:ext cx="5424353" cy="1097280"/>
           </a:xfrm>
         </p:spPr>
@@ -13597,8 +13893,8 @@
         </p:nvSpPr>
         <p:spPr>
           <a:xfrm>
-            <a:off x="6106656" y="2633236"/>
-            <a:ext cx="5424353" cy="3664681"/>
+            <a:off x="6106656" y="1223321"/>
+            <a:ext cx="5424353" cy="5634679"/>
           </a:xfrm>
           <a:prstGeom prst="rect">
             <a:avLst/>
@@ -13606,397 +13902,971 @@
         </p:spPr>
         <p:txBody>
           <a:bodyPr vert="horz" lIns="91440" tIns="45720" rIns="91440" bIns="45720" rtlCol="0">
-            <a:normAutofit/>
+            <a:normAutofit fontScale="92500" lnSpcReduction="10000"/>
           </a:bodyPr>
           <a:lstStyle/>
           <a:p>
-            <a:pPr>
-              <a:lnSpc>
-                <a:spcPct val="110000"/>
-              </a:lnSpc>
-              <a:spcAft>
-                <a:spcPts val="600"/>
-              </a:spcAft>
-              <a:buSzPct val="87000"/>
+            <a:pPr algn="l"/>
+            <a:r>
+              <a:rPr lang="en-GB" sz="1400" b="1" i="0" dirty="0">
+                <a:effectLst/>
+                <a:latin typeface="Grandview Display" panose="020B0502040204020203" pitchFamily="34" charset="0"/>
+              </a:rPr>
+              <a:t>Database </a:t>
+            </a:r>
+            <a:r>
+              <a:rPr lang="en-GB" sz="1400" b="1" i="0" dirty="0" err="1">
+                <a:effectLst/>
+                <a:latin typeface="Grandview Display" panose="020B0502040204020203" pitchFamily="34" charset="0"/>
+              </a:rPr>
+              <a:t>Ontwerp</a:t>
+            </a:r>
+            <a:endParaRPr lang="en-GB" sz="1400" b="1" i="0" dirty="0">
+              <a:effectLst/>
+              <a:latin typeface="Grandview Display" panose="020B0502040204020203" pitchFamily="34" charset="0"/>
+            </a:endParaRPr>
+          </a:p>
+          <a:p>
+            <a:pPr algn="l">
               <a:buFont typeface="Arial" panose="020B0604020202020204" pitchFamily="34" charset="0"/>
               <a:buChar char="•"/>
             </a:pPr>
             <a:r>
-              <a:rPr lang="en-US" sz="1500" b="1" i="0" dirty="0">
-                <a:effectLst/>
-              </a:rPr>
-              <a:t>Database </a:t>
-            </a:r>
-            <a:r>
-              <a:rPr lang="en-US" sz="1500" b="1" i="0" dirty="0" err="1">
-                <a:effectLst/>
-              </a:rPr>
-              <a:t>Ontwerp</a:t>
-            </a:r>
-            <a:endParaRPr lang="en-US" sz="1500" b="1" i="0" dirty="0">
-              <a:effectLst/>
-            </a:endParaRPr>
-          </a:p>
-          <a:p>
-            <a:pPr>
-              <a:lnSpc>
-                <a:spcPct val="110000"/>
-              </a:lnSpc>
-              <a:spcAft>
-                <a:spcPts val="600"/>
-              </a:spcAft>
-              <a:buSzPct val="87000"/>
+              <a:rPr lang="en-GB" sz="1400" b="0" i="0" dirty="0" err="1">
+                <a:effectLst/>
+                <a:latin typeface="Grandview Display" panose="020B0502040204020203" pitchFamily="34" charset="0"/>
+              </a:rPr>
+              <a:t>Relationeel</a:t>
+            </a:r>
+            <a:r>
+              <a:rPr lang="en-GB" sz="1400" b="0" i="0" dirty="0">
+                <a:effectLst/>
+                <a:latin typeface="Grandview Display" panose="020B0502040204020203" pitchFamily="34" charset="0"/>
+              </a:rPr>
+              <a:t> model met MySQL</a:t>
+            </a:r>
+          </a:p>
+          <a:p>
+            <a:pPr algn="l">
               <a:buFont typeface="Arial" panose="020B0604020202020204" pitchFamily="34" charset="0"/>
               <a:buChar char="•"/>
             </a:pPr>
             <a:r>
-              <a:rPr lang="en-US" sz="1500" b="0" i="0" dirty="0" err="1">
-                <a:effectLst/>
-              </a:rPr>
-              <a:t>Relationeel</a:t>
-            </a:r>
-            <a:r>
-              <a:rPr lang="en-US" sz="1500" b="0" i="0" dirty="0">
-                <a:effectLst/>
-              </a:rPr>
-              <a:t> model met MySQL</a:t>
-            </a:r>
-          </a:p>
-          <a:p>
-            <a:pPr>
-              <a:lnSpc>
-                <a:spcPct val="110000"/>
-              </a:lnSpc>
-              <a:spcAft>
-                <a:spcPts val="600"/>
-              </a:spcAft>
-              <a:buSzPct val="87000"/>
+              <a:rPr lang="en-GB" sz="1400" b="0" i="0" dirty="0" err="1">
+                <a:effectLst/>
+                <a:latin typeface="Grandview Display" panose="020B0502040204020203" pitchFamily="34" charset="0"/>
+              </a:rPr>
+              <a:t>Polymorfische</a:t>
+            </a:r>
+            <a:r>
+              <a:rPr lang="en-GB" sz="1400" b="0" i="0" dirty="0">
+                <a:effectLst/>
+                <a:latin typeface="Grandview Display" panose="020B0502040204020203" pitchFamily="34" charset="0"/>
+              </a:rPr>
+              <a:t> </a:t>
+            </a:r>
+            <a:r>
+              <a:rPr lang="en-GB" sz="1400" b="0" i="0" dirty="0" err="1">
+                <a:effectLst/>
+                <a:latin typeface="Grandview Display" panose="020B0502040204020203" pitchFamily="34" charset="0"/>
+              </a:rPr>
+              <a:t>relaties</a:t>
+            </a:r>
+            <a:r>
+              <a:rPr lang="en-GB" sz="1400" b="0" i="0" dirty="0">
+                <a:effectLst/>
+                <a:latin typeface="Grandview Display" panose="020B0502040204020203" pitchFamily="34" charset="0"/>
+              </a:rPr>
+              <a:t> </a:t>
+            </a:r>
+            <a:r>
+              <a:rPr lang="en-GB" sz="1400" b="0" i="0" dirty="0" err="1">
+                <a:effectLst/>
+                <a:latin typeface="Grandview Display" panose="020B0502040204020203" pitchFamily="34" charset="0"/>
+              </a:rPr>
+              <a:t>voor</a:t>
+            </a:r>
+            <a:r>
+              <a:rPr lang="en-GB" sz="1400" b="0" i="0" dirty="0">
+                <a:effectLst/>
+                <a:latin typeface="Grandview Display" panose="020B0502040204020203" pitchFamily="34" charset="0"/>
+              </a:rPr>
+              <a:t> </a:t>
+            </a:r>
+            <a:r>
+              <a:rPr lang="en-GB" sz="1400" b="0" i="0" dirty="0" err="1">
+                <a:effectLst/>
+                <a:latin typeface="Grandview Display" panose="020B0502040204020203" pitchFamily="34" charset="0"/>
+              </a:rPr>
+              <a:t>foto's</a:t>
+            </a:r>
+            <a:endParaRPr lang="en-GB" sz="1400" b="0" i="0" dirty="0">
+              <a:effectLst/>
+              <a:latin typeface="Grandview Display" panose="020B0502040204020203" pitchFamily="34" charset="0"/>
+            </a:endParaRPr>
+          </a:p>
+          <a:p>
+            <a:pPr algn="l">
               <a:buFont typeface="Arial" panose="020B0604020202020204" pitchFamily="34" charset="0"/>
               <a:buChar char="•"/>
             </a:pPr>
             <a:r>
-              <a:rPr lang="en-US" sz="1500" b="0" i="0" dirty="0" err="1">
-                <a:effectLst/>
-              </a:rPr>
-              <a:t>Polymorfische</a:t>
-            </a:r>
-            <a:r>
-              <a:rPr lang="en-US" sz="1500" b="0" i="0" dirty="0">
-                <a:effectLst/>
+              <a:rPr lang="en-GB" sz="1400" b="0" i="0" dirty="0" err="1">
+                <a:effectLst/>
+                <a:latin typeface="Grandview Display" panose="020B0502040204020203" pitchFamily="34" charset="0"/>
+              </a:rPr>
+              <a:t>Efficiënte</a:t>
+            </a:r>
+            <a:r>
+              <a:rPr lang="en-GB" sz="1400" b="0" i="0" dirty="0">
+                <a:effectLst/>
+                <a:latin typeface="Grandview Display" panose="020B0502040204020203" pitchFamily="34" charset="0"/>
               </a:rPr>
               <a:t> </a:t>
             </a:r>
             <a:r>
-              <a:rPr lang="en-US" sz="1500" b="0" i="0" dirty="0" err="1">
-                <a:effectLst/>
-              </a:rPr>
-              <a:t>relaties</a:t>
-            </a:r>
-            <a:r>
-              <a:rPr lang="en-US" sz="1500" b="0" i="0" dirty="0">
-                <a:effectLst/>
+              <a:rPr lang="en-GB" sz="1400" b="0" i="0" dirty="0" err="1">
+                <a:effectLst/>
+                <a:latin typeface="Grandview Display" panose="020B0502040204020203" pitchFamily="34" charset="0"/>
+              </a:rPr>
+              <a:t>indexering</a:t>
+            </a:r>
+            <a:r>
+              <a:rPr lang="en-GB" sz="1400" b="0" i="0" dirty="0">
+                <a:effectLst/>
+                <a:latin typeface="Grandview Display" panose="020B0502040204020203" pitchFamily="34" charset="0"/>
               </a:rPr>
               <a:t> </a:t>
             </a:r>
             <a:r>
-              <a:rPr lang="en-US" sz="1500" b="0" i="0" dirty="0" err="1">
-                <a:effectLst/>
+              <a:rPr lang="en-GB" sz="1400" b="0" i="0" dirty="0" err="1">
+                <a:effectLst/>
+                <a:latin typeface="Grandview Display" panose="020B0502040204020203" pitchFamily="34" charset="0"/>
               </a:rPr>
               <a:t>voor</a:t>
             </a:r>
             <a:r>
-              <a:rPr lang="en-US" sz="1500" b="0" i="0" dirty="0">
-                <a:effectLst/>
+              <a:rPr lang="en-GB" sz="1400" b="0" i="0" dirty="0">
+                <a:effectLst/>
+                <a:latin typeface="Grandview Display" panose="020B0502040204020203" pitchFamily="34" charset="0"/>
               </a:rPr>
               <a:t> </a:t>
             </a:r>
             <a:r>
-              <a:rPr lang="en-US" sz="1500" b="0" i="0" dirty="0" err="1">
-                <a:effectLst/>
-              </a:rPr>
-              <a:t>foto's</a:t>
-            </a:r>
-            <a:endParaRPr lang="en-US" sz="1500" b="0" i="0" dirty="0">
+              <a:rPr lang="en-GB" sz="1400" b="0" i="0" dirty="0" err="1">
+                <a:effectLst/>
+                <a:latin typeface="Grandview Display" panose="020B0502040204020203" pitchFamily="34" charset="0"/>
+              </a:rPr>
+              <a:t>snelle</a:t>
+            </a:r>
+            <a:r>
+              <a:rPr lang="en-GB" sz="1400" b="0" i="0" dirty="0">
+                <a:effectLst/>
+                <a:latin typeface="Grandview Display" panose="020B0502040204020203" pitchFamily="34" charset="0"/>
+              </a:rPr>
+              <a:t> </a:t>
+            </a:r>
+            <a:r>
+              <a:rPr lang="en-GB" sz="1400" b="0" i="0" dirty="0" err="1">
+                <a:effectLst/>
+                <a:latin typeface="Grandview Display" panose="020B0502040204020203" pitchFamily="34" charset="0"/>
+              </a:rPr>
+              <a:t>zoekopdrachten</a:t>
+            </a:r>
+            <a:endParaRPr lang="en-GB" sz="1400" b="0" i="0" dirty="0">
               <a:effectLst/>
+              <a:latin typeface="Grandview Display" panose="020B0502040204020203" pitchFamily="34" charset="0"/>
             </a:endParaRPr>
           </a:p>
           <a:p>
-            <a:pPr>
-              <a:lnSpc>
-                <a:spcPct val="110000"/>
-              </a:lnSpc>
-              <a:spcAft>
-                <a:spcPts val="600"/>
-              </a:spcAft>
-              <a:buSzPct val="87000"/>
+            <a:pPr algn="l">
               <a:buFont typeface="Arial" panose="020B0604020202020204" pitchFamily="34" charset="0"/>
               <a:buChar char="•"/>
             </a:pPr>
             <a:r>
-              <a:rPr lang="en-US" sz="1500" b="0" i="0" dirty="0" err="1">
-                <a:effectLst/>
-              </a:rPr>
-              <a:t>Efficiënte</a:t>
-            </a:r>
-            <a:r>
-              <a:rPr lang="en-US" sz="1500" b="0" i="0" dirty="0">
-                <a:effectLst/>
+              <a:rPr lang="en-GB" sz="1400" b="0" i="0" dirty="0" err="1">
+                <a:effectLst/>
+                <a:latin typeface="Grandview Display" panose="020B0502040204020203" pitchFamily="34" charset="0"/>
+              </a:rPr>
+              <a:t>Normalisatie</a:t>
+            </a:r>
+            <a:r>
+              <a:rPr lang="en-GB" sz="1400" b="0" i="0" dirty="0">
+                <a:effectLst/>
+                <a:latin typeface="Grandview Display" panose="020B0502040204020203" pitchFamily="34" charset="0"/>
+              </a:rPr>
+              <a:t> tot 3NF </a:t>
+            </a:r>
+            <a:r>
+              <a:rPr lang="en-GB" sz="1400" b="0" i="0" dirty="0" err="1">
+                <a:effectLst/>
+                <a:latin typeface="Grandview Display" panose="020B0502040204020203" pitchFamily="34" charset="0"/>
+              </a:rPr>
+              <a:t>voor</a:t>
+            </a:r>
+            <a:r>
+              <a:rPr lang="en-GB" sz="1400" b="0" i="0" dirty="0">
+                <a:effectLst/>
+                <a:latin typeface="Grandview Display" panose="020B0502040204020203" pitchFamily="34" charset="0"/>
               </a:rPr>
               <a:t> </a:t>
             </a:r>
             <a:r>
-              <a:rPr lang="en-US" sz="1500" b="0" i="0" dirty="0" err="1">
-                <a:effectLst/>
-              </a:rPr>
-              <a:t>indexering</a:t>
-            </a:r>
-            <a:r>
-              <a:rPr lang="en-US" sz="1500" b="0" i="0" dirty="0">
-                <a:effectLst/>
+              <a:rPr lang="en-GB" sz="1400" b="0" i="0" dirty="0" err="1">
+                <a:effectLst/>
+                <a:latin typeface="Grandview Display" panose="020B0502040204020203" pitchFamily="34" charset="0"/>
+              </a:rPr>
+              <a:t>optimale</a:t>
+            </a:r>
+            <a:r>
+              <a:rPr lang="en-GB" sz="1400" b="0" i="0" dirty="0">
+                <a:effectLst/>
+                <a:latin typeface="Grandview Display" panose="020B0502040204020203" pitchFamily="34" charset="0"/>
+              </a:rPr>
+              <a:t> data-</a:t>
+            </a:r>
+            <a:r>
+              <a:rPr lang="en-GB" sz="1400" b="0" i="0" dirty="0" err="1">
+                <a:effectLst/>
+                <a:latin typeface="Grandview Display" panose="020B0502040204020203" pitchFamily="34" charset="0"/>
+              </a:rPr>
+              <a:t>integriteit</a:t>
+            </a:r>
+            <a:endParaRPr lang="en-GB" sz="1400" b="0" i="0" dirty="0">
+              <a:effectLst/>
+              <a:latin typeface="Grandview Display" panose="020B0502040204020203" pitchFamily="34" charset="0"/>
+            </a:endParaRPr>
+          </a:p>
+          <a:p>
+            <a:pPr algn="l"/>
+            <a:endParaRPr lang="en-GB" sz="1400" b="1" i="0" dirty="0">
+              <a:effectLst/>
+              <a:latin typeface="Grandview Display" panose="020B0502040204020203" pitchFamily="34" charset="0"/>
+            </a:endParaRPr>
+          </a:p>
+          <a:p>
+            <a:pPr algn="l"/>
+            <a:r>
+              <a:rPr lang="en-GB" sz="1400" b="1" i="0" dirty="0" err="1">
+                <a:effectLst/>
+                <a:latin typeface="Grandview Display" panose="020B0502040204020203" pitchFamily="34" charset="0"/>
+              </a:rPr>
+              <a:t>Ontwerp</a:t>
+            </a:r>
+            <a:r>
+              <a:rPr lang="en-GB" sz="1400" b="1" i="0" dirty="0">
+                <a:effectLst/>
+                <a:latin typeface="Grandview Display" panose="020B0502040204020203" pitchFamily="34" charset="0"/>
               </a:rPr>
               <a:t> </a:t>
             </a:r>
             <a:r>
-              <a:rPr lang="en-US" sz="1500" b="0" i="0" dirty="0" err="1">
-                <a:effectLst/>
-              </a:rPr>
-              <a:t>voor</a:t>
-            </a:r>
-            <a:r>
-              <a:rPr lang="en-US" sz="1500" b="0" i="0" dirty="0">
-                <a:effectLst/>
-              </a:rPr>
-              <a:t> </a:t>
-            </a:r>
-            <a:r>
-              <a:rPr lang="en-US" sz="1500" b="0" i="0" dirty="0" err="1">
-                <a:effectLst/>
-              </a:rPr>
-              <a:t>snelle</a:t>
-            </a:r>
-            <a:r>
-              <a:rPr lang="en-US" sz="1500" b="0" i="0" dirty="0">
-                <a:effectLst/>
-              </a:rPr>
-              <a:t> </a:t>
-            </a:r>
-            <a:r>
-              <a:rPr lang="en-US" sz="1500" b="0" i="0" dirty="0" err="1">
-                <a:effectLst/>
-              </a:rPr>
-              <a:t>zoekopdrachten</a:t>
-            </a:r>
-            <a:endParaRPr lang="en-US" sz="1500" b="0" i="0" dirty="0">
+              <a:rPr lang="en-GB" sz="1400" b="1" i="0" dirty="0" err="1">
+                <a:effectLst/>
+                <a:latin typeface="Grandview Display" panose="020B0502040204020203" pitchFamily="34" charset="0"/>
+              </a:rPr>
+              <a:t>Producten</a:t>
+            </a:r>
+            <a:endParaRPr lang="en-GB" sz="1400" b="1" i="0" dirty="0">
               <a:effectLst/>
+              <a:latin typeface="Grandview Display" panose="020B0502040204020203" pitchFamily="34" charset="0"/>
             </a:endParaRPr>
           </a:p>
           <a:p>
-            <a:pPr>
-              <a:lnSpc>
-                <a:spcPct val="110000"/>
-              </a:lnSpc>
-              <a:spcAft>
-                <a:spcPts val="600"/>
-              </a:spcAft>
-              <a:buSzPct val="87000"/>
+            <a:pPr algn="l">
               <a:buFont typeface="Arial" panose="020B0604020202020204" pitchFamily="34" charset="0"/>
               <a:buChar char="•"/>
             </a:pPr>
             <a:r>
-              <a:rPr lang="en-US" sz="1500" b="1" i="0" dirty="0" err="1">
-                <a:effectLst/>
-              </a:rPr>
-              <a:t>Diagrammen</a:t>
-            </a:r>
-            <a:endParaRPr lang="en-US" sz="1500" b="1" i="0" dirty="0">
+              <a:rPr lang="en-GB" sz="1400" b="1" i="0" dirty="0" err="1">
+                <a:effectLst/>
+                <a:latin typeface="Grandview Display" panose="020B0502040204020203" pitchFamily="34" charset="0"/>
+              </a:rPr>
+              <a:t>Functioneel</a:t>
+            </a:r>
+            <a:r>
+              <a:rPr lang="en-GB" sz="1400" b="1" i="0" dirty="0">
+                <a:effectLst/>
+                <a:latin typeface="Grandview Display" panose="020B0502040204020203" pitchFamily="34" charset="0"/>
+              </a:rPr>
+              <a:t> </a:t>
+            </a:r>
+            <a:r>
+              <a:rPr lang="en-GB" sz="1400" b="1" i="0" dirty="0" err="1">
+                <a:effectLst/>
+                <a:latin typeface="Grandview Display" panose="020B0502040204020203" pitchFamily="34" charset="0"/>
+              </a:rPr>
+              <a:t>ontwerp</a:t>
+            </a:r>
+            <a:r>
+              <a:rPr lang="en-GB" sz="1400" b="0" i="0" dirty="0">
+                <a:effectLst/>
+                <a:latin typeface="Grandview Display" panose="020B0502040204020203" pitchFamily="34" charset="0"/>
+              </a:rPr>
+              <a:t>: </a:t>
+            </a:r>
+            <a:r>
+              <a:rPr lang="en-GB" sz="1400" b="0" i="0" dirty="0" err="1">
+                <a:effectLst/>
+                <a:latin typeface="Grandview Display" panose="020B0502040204020203" pitchFamily="34" charset="0"/>
+              </a:rPr>
+              <a:t>Beschrijving</a:t>
+            </a:r>
+            <a:r>
+              <a:rPr lang="en-GB" sz="1400" b="0" i="0" dirty="0">
+                <a:effectLst/>
+                <a:latin typeface="Grandview Display" panose="020B0502040204020203" pitchFamily="34" charset="0"/>
+              </a:rPr>
+              <a:t> van alle </a:t>
+            </a:r>
+            <a:r>
+              <a:rPr lang="en-GB" sz="1400" b="0" i="0" dirty="0" err="1">
+                <a:effectLst/>
+                <a:latin typeface="Grandview Display" panose="020B0502040204020203" pitchFamily="34" charset="0"/>
+              </a:rPr>
+              <a:t>functionaliteiten</a:t>
+            </a:r>
+            <a:endParaRPr lang="en-GB" sz="1400" b="0" i="0" dirty="0">
               <a:effectLst/>
+              <a:latin typeface="Grandview Display" panose="020B0502040204020203" pitchFamily="34" charset="0"/>
             </a:endParaRPr>
           </a:p>
           <a:p>
-            <a:pPr>
-              <a:lnSpc>
-                <a:spcPct val="110000"/>
-              </a:lnSpc>
-              <a:spcAft>
-                <a:spcPts val="600"/>
-              </a:spcAft>
-              <a:buSzPct val="87000"/>
+            <a:pPr algn="l">
               <a:buFont typeface="Arial" panose="020B0604020202020204" pitchFamily="34" charset="0"/>
               <a:buChar char="•"/>
             </a:pPr>
             <a:r>
-              <a:rPr lang="en-US" sz="1500" b="0" i="0" dirty="0">
-                <a:effectLst/>
-              </a:rPr>
-              <a:t>Entity Relationship Diagram (ERD)</a:t>
-            </a:r>
-          </a:p>
-          <a:p>
-            <a:pPr>
-              <a:lnSpc>
-                <a:spcPct val="110000"/>
-              </a:lnSpc>
-              <a:spcAft>
-                <a:spcPts val="600"/>
-              </a:spcAft>
-              <a:buSzPct val="87000"/>
+              <a:rPr lang="en-GB" sz="1400" b="1" i="0" dirty="0" err="1">
+                <a:effectLst/>
+                <a:latin typeface="Grandview Display" panose="020B0502040204020203" pitchFamily="34" charset="0"/>
+              </a:rPr>
+              <a:t>Technisch</a:t>
+            </a:r>
+            <a:r>
+              <a:rPr lang="en-GB" sz="1400" b="1" i="0" dirty="0">
+                <a:effectLst/>
+                <a:latin typeface="Grandview Display" panose="020B0502040204020203" pitchFamily="34" charset="0"/>
+              </a:rPr>
+              <a:t> </a:t>
+            </a:r>
+            <a:r>
+              <a:rPr lang="en-GB" sz="1400" b="1" i="0" dirty="0" err="1">
+                <a:effectLst/>
+                <a:latin typeface="Grandview Display" panose="020B0502040204020203" pitchFamily="34" charset="0"/>
+              </a:rPr>
+              <a:t>ontwerp</a:t>
+            </a:r>
+            <a:r>
+              <a:rPr lang="en-GB" sz="1400" b="0" i="0" dirty="0">
+                <a:effectLst/>
+                <a:latin typeface="Grandview Display" panose="020B0502040204020203" pitchFamily="34" charset="0"/>
+              </a:rPr>
+              <a:t>: </a:t>
+            </a:r>
+            <a:r>
+              <a:rPr lang="en-GB" sz="1400" b="0" i="0" dirty="0" err="1">
+                <a:effectLst/>
+                <a:latin typeface="Grandview Display" panose="020B0502040204020203" pitchFamily="34" charset="0"/>
+              </a:rPr>
+              <a:t>Architectuur</a:t>
+            </a:r>
+            <a:r>
+              <a:rPr lang="en-GB" sz="1400" b="0" i="0" dirty="0">
+                <a:effectLst/>
+                <a:latin typeface="Grandview Display" panose="020B0502040204020203" pitchFamily="34" charset="0"/>
+              </a:rPr>
+              <a:t> </a:t>
+            </a:r>
+            <a:r>
+              <a:rPr lang="en-GB" sz="1400" b="0" i="0" dirty="0" err="1">
+                <a:effectLst/>
+                <a:latin typeface="Grandview Display" panose="020B0502040204020203" pitchFamily="34" charset="0"/>
+              </a:rPr>
+              <a:t>en</a:t>
+            </a:r>
+            <a:r>
+              <a:rPr lang="en-GB" sz="1400" b="0" i="0" dirty="0">
+                <a:effectLst/>
+                <a:latin typeface="Grandview Display" panose="020B0502040204020203" pitchFamily="34" charset="0"/>
+              </a:rPr>
+              <a:t> </a:t>
+            </a:r>
+            <a:r>
+              <a:rPr lang="en-GB" sz="1400" b="0" i="0" dirty="0" err="1">
+                <a:effectLst/>
+                <a:latin typeface="Grandview Display" panose="020B0502040204020203" pitchFamily="34" charset="0"/>
+              </a:rPr>
+              <a:t>technische</a:t>
+            </a:r>
+            <a:r>
+              <a:rPr lang="en-GB" sz="1400" b="0" i="0" dirty="0">
+                <a:effectLst/>
+                <a:latin typeface="Grandview Display" panose="020B0502040204020203" pitchFamily="34" charset="0"/>
+              </a:rPr>
+              <a:t> </a:t>
+            </a:r>
+            <a:r>
+              <a:rPr lang="en-GB" sz="1400" b="0" i="0" dirty="0" err="1">
+                <a:effectLst/>
+                <a:latin typeface="Grandview Display" panose="020B0502040204020203" pitchFamily="34" charset="0"/>
+              </a:rPr>
+              <a:t>specificaties</a:t>
+            </a:r>
+            <a:endParaRPr lang="en-GB" sz="1400" b="0" i="0" dirty="0">
+              <a:effectLst/>
+              <a:latin typeface="Grandview Display" panose="020B0502040204020203" pitchFamily="34" charset="0"/>
+            </a:endParaRPr>
+          </a:p>
+          <a:p>
+            <a:pPr algn="l">
               <a:buFont typeface="Arial" panose="020B0604020202020204" pitchFamily="34" charset="0"/>
               <a:buChar char="•"/>
             </a:pPr>
             <a:r>
-              <a:rPr lang="en-US" sz="1500" b="0" i="0" dirty="0" err="1">
-                <a:effectLst/>
-              </a:rPr>
-              <a:t>Klassendiagram</a:t>
-            </a:r>
-            <a:r>
-              <a:rPr lang="en-US" sz="1500" b="0" i="0" dirty="0">
-                <a:effectLst/>
-              </a:rPr>
-              <a:t> met alle </a:t>
-            </a:r>
-            <a:r>
-              <a:rPr lang="en-US" sz="1500" b="0" i="0" dirty="0" err="1">
-                <a:effectLst/>
-              </a:rPr>
-              <a:t>modellen</a:t>
-            </a:r>
-            <a:r>
-              <a:rPr lang="en-US" sz="1500" b="0" i="0" dirty="0">
-                <a:effectLst/>
+              <a:rPr lang="en-GB" sz="1400" b="1" i="0" dirty="0">
+                <a:effectLst/>
+                <a:latin typeface="Grandview Display" panose="020B0502040204020203" pitchFamily="34" charset="0"/>
+              </a:rPr>
+              <a:t>Wireframes</a:t>
+            </a:r>
+            <a:r>
+              <a:rPr lang="en-GB" sz="1400" b="0" i="0" dirty="0">
+                <a:effectLst/>
+                <a:latin typeface="Grandview Display" panose="020B0502040204020203" pitchFamily="34" charset="0"/>
+              </a:rPr>
+              <a:t>: Lo-fi </a:t>
+            </a:r>
+            <a:r>
+              <a:rPr lang="en-GB" sz="1400" b="0" i="0" dirty="0" err="1">
+                <a:effectLst/>
+                <a:latin typeface="Grandview Display" panose="020B0502040204020203" pitchFamily="34" charset="0"/>
+              </a:rPr>
+              <a:t>ontwerpen</a:t>
+            </a:r>
+            <a:r>
+              <a:rPr lang="en-GB" sz="1400" b="0" i="0" dirty="0">
+                <a:effectLst/>
+                <a:latin typeface="Grandview Display" panose="020B0502040204020203" pitchFamily="34" charset="0"/>
+              </a:rPr>
+              <a:t> van alle </a:t>
+            </a:r>
+            <a:r>
+              <a:rPr lang="en-GB" sz="1400" b="0" i="0" dirty="0" err="1">
+                <a:effectLst/>
+                <a:latin typeface="Grandview Display" panose="020B0502040204020203" pitchFamily="34" charset="0"/>
+              </a:rPr>
+              <a:t>belangrijke</a:t>
+            </a:r>
+            <a:r>
+              <a:rPr lang="en-GB" sz="1400" b="0" i="0" dirty="0">
+                <a:effectLst/>
+                <a:latin typeface="Grandview Display" panose="020B0502040204020203" pitchFamily="34" charset="0"/>
               </a:rPr>
               <a:t> </a:t>
             </a:r>
             <a:r>
-              <a:rPr lang="en-US" sz="1500" b="0" i="0" dirty="0" err="1">
-                <a:effectLst/>
-              </a:rPr>
-              <a:t>en</a:t>
-            </a:r>
-            <a:r>
-              <a:rPr lang="en-US" sz="1500" b="0" i="0" dirty="0">
-                <a:effectLst/>
-              </a:rPr>
-              <a:t> </a:t>
-            </a:r>
-            <a:r>
-              <a:rPr lang="en-US" sz="1500" b="0" i="0" dirty="0" err="1">
-                <a:effectLst/>
-              </a:rPr>
-              <a:t>relaties</a:t>
-            </a:r>
-            <a:endParaRPr lang="en-US" sz="1500" b="0" i="0" dirty="0">
+              <a:rPr lang="en-GB" sz="1400" b="0" i="0" dirty="0" err="1">
+                <a:effectLst/>
+                <a:latin typeface="Grandview Display" panose="020B0502040204020203" pitchFamily="34" charset="0"/>
+              </a:rPr>
+              <a:t>pagina's</a:t>
+            </a:r>
+            <a:endParaRPr lang="en-GB" sz="1400" b="0" i="0" dirty="0">
               <a:effectLst/>
+              <a:latin typeface="Grandview Display" panose="020B0502040204020203" pitchFamily="34" charset="0"/>
             </a:endParaRPr>
           </a:p>
           <a:p>
-            <a:pPr>
-              <a:lnSpc>
-                <a:spcPct val="110000"/>
-              </a:lnSpc>
-              <a:spcAft>
-                <a:spcPts val="600"/>
-              </a:spcAft>
-              <a:buSzPct val="87000"/>
+            <a:pPr algn="l">
               <a:buFont typeface="Arial" panose="020B0604020202020204" pitchFamily="34" charset="0"/>
               <a:buChar char="•"/>
             </a:pPr>
             <a:r>
-              <a:rPr lang="en-US" sz="1500" b="0" i="0" dirty="0">
-                <a:effectLst/>
-              </a:rPr>
-              <a:t>Use Case Diagram </a:t>
-            </a:r>
-            <a:r>
-              <a:rPr lang="en-US" sz="1500" b="0" i="0" dirty="0" err="1">
-                <a:effectLst/>
-              </a:rPr>
-              <a:t>voor</a:t>
-            </a:r>
-            <a:r>
-              <a:rPr lang="en-US" sz="1500" b="0" i="0" dirty="0">
-                <a:effectLst/>
+              <a:rPr lang="en-GB" sz="1400" b="1" i="0" dirty="0" err="1">
+                <a:effectLst/>
+                <a:latin typeface="Grandview Display" panose="020B0502040204020203" pitchFamily="34" charset="0"/>
+              </a:rPr>
+              <a:t>Mockups</a:t>
+            </a:r>
+            <a:r>
+              <a:rPr lang="en-GB" sz="1400" b="0" i="0" dirty="0">
+                <a:effectLst/>
+                <a:latin typeface="Grandview Display" panose="020B0502040204020203" pitchFamily="34" charset="0"/>
+              </a:rPr>
+              <a:t>: Hi-fi </a:t>
+            </a:r>
+            <a:r>
+              <a:rPr lang="en-GB" sz="1400" b="0" i="0" dirty="0" err="1">
+                <a:effectLst/>
+                <a:latin typeface="Grandview Display" panose="020B0502040204020203" pitchFamily="34" charset="0"/>
+              </a:rPr>
+              <a:t>ontwerpen</a:t>
+            </a:r>
+            <a:r>
+              <a:rPr lang="en-GB" sz="1400" b="0" i="0" dirty="0">
+                <a:effectLst/>
+                <a:latin typeface="Grandview Display" panose="020B0502040204020203" pitchFamily="34" charset="0"/>
+              </a:rPr>
+              <a:t> met </a:t>
+            </a:r>
+            <a:r>
+              <a:rPr lang="en-GB" sz="1400" b="0" i="0" dirty="0" err="1">
+                <a:effectLst/>
+                <a:latin typeface="Grandview Display" panose="020B0502040204020203" pitchFamily="34" charset="0"/>
+              </a:rPr>
+              <a:t>huisstijl</a:t>
+            </a:r>
+            <a:r>
+              <a:rPr lang="en-GB" sz="1400" b="0" i="0" dirty="0">
+                <a:effectLst/>
+                <a:latin typeface="Grandview Display" panose="020B0502040204020203" pitchFamily="34" charset="0"/>
               </a:rPr>
               <a:t> </a:t>
             </a:r>
             <a:r>
-              <a:rPr lang="en-US" sz="1500" b="0" i="0" dirty="0" err="1">
-                <a:effectLst/>
-              </a:rPr>
-              <a:t>gebruikersinteracties</a:t>
-            </a:r>
-            <a:endParaRPr lang="en-US" sz="1500" b="0" i="0" dirty="0">
+              <a:rPr lang="en-GB" sz="1400" b="0" i="0" dirty="0" err="1">
+                <a:effectLst/>
+                <a:latin typeface="Grandview Display" panose="020B0502040204020203" pitchFamily="34" charset="0"/>
+              </a:rPr>
+              <a:t>en</a:t>
+            </a:r>
+            <a:r>
+              <a:rPr lang="en-GB" sz="1400" b="0" i="0" dirty="0">
+                <a:effectLst/>
+                <a:latin typeface="Grandview Display" panose="020B0502040204020203" pitchFamily="34" charset="0"/>
+              </a:rPr>
+              <a:t> UI-</a:t>
+            </a:r>
+            <a:r>
+              <a:rPr lang="en-GB" sz="1400" b="0" i="0" dirty="0" err="1">
+                <a:effectLst/>
+                <a:latin typeface="Grandview Display" panose="020B0502040204020203" pitchFamily="34" charset="0"/>
+              </a:rPr>
+              <a:t>elementen</a:t>
+            </a:r>
+            <a:endParaRPr lang="en-GB" sz="1400" b="0" i="0" dirty="0">
               <a:effectLst/>
+              <a:latin typeface="Grandview Display" panose="020B0502040204020203" pitchFamily="34" charset="0"/>
             </a:endParaRPr>
           </a:p>
           <a:p>
-            <a:pPr>
-              <a:lnSpc>
-                <a:spcPct val="110000"/>
-              </a:lnSpc>
-              <a:spcAft>
-                <a:spcPts val="600"/>
-              </a:spcAft>
-              <a:buSzPct val="87000"/>
+            <a:pPr algn="l"/>
+            <a:endParaRPr lang="en-GB" sz="1400" b="1" i="0" dirty="0">
+              <a:effectLst/>
+              <a:latin typeface="Grandview Display" panose="020B0502040204020203" pitchFamily="34" charset="0"/>
+            </a:endParaRPr>
+          </a:p>
+          <a:p>
+            <a:pPr algn="l"/>
+            <a:r>
+              <a:rPr lang="en-GB" sz="1400" b="1" i="0" dirty="0" err="1">
+                <a:effectLst/>
+                <a:latin typeface="Grandview Display" panose="020B0502040204020203" pitchFamily="34" charset="0"/>
+              </a:rPr>
+              <a:t>Diagrammen</a:t>
+            </a:r>
+            <a:endParaRPr lang="en-GB" sz="1400" b="1" i="0" dirty="0">
+              <a:effectLst/>
+              <a:latin typeface="Grandview Display" panose="020B0502040204020203" pitchFamily="34" charset="0"/>
+            </a:endParaRPr>
+          </a:p>
+          <a:p>
+            <a:pPr algn="l">
               <a:buFont typeface="Arial" panose="020B0604020202020204" pitchFamily="34" charset="0"/>
               <a:buChar char="•"/>
             </a:pPr>
             <a:r>
-              <a:rPr lang="en-US" sz="1500" b="0" i="0" dirty="0">
-                <a:effectLst/>
-              </a:rPr>
-              <a:t>Sequence Diagram </a:t>
-            </a:r>
-            <a:r>
-              <a:rPr lang="en-US" sz="1500" b="0" i="0" dirty="0" err="1">
-                <a:effectLst/>
-              </a:rPr>
-              <a:t>voor</a:t>
-            </a:r>
-            <a:r>
-              <a:rPr lang="en-US" sz="1500" b="0" i="0" dirty="0">
-                <a:effectLst/>
-              </a:rPr>
-              <a:t> </a:t>
-            </a:r>
-            <a:r>
-              <a:rPr lang="en-US" sz="1500" b="0" i="0" dirty="0" err="1">
-                <a:effectLst/>
-              </a:rPr>
-              <a:t>foto</a:t>
-            </a:r>
-            <a:r>
-              <a:rPr lang="en-US" sz="1500" b="0" i="0" dirty="0">
-                <a:effectLst/>
-              </a:rPr>
-              <a:t>-upload </a:t>
-            </a:r>
-            <a:r>
-              <a:rPr lang="en-US" sz="1500" b="0" i="0" dirty="0" err="1">
-                <a:effectLst/>
-              </a:rPr>
-              <a:t>proces</a:t>
-            </a:r>
-            <a:endParaRPr lang="en-US" sz="1500" b="0" i="0" dirty="0">
-              <a:effectLst/>
-            </a:endParaRPr>
-          </a:p>
-          <a:p>
-            <a:pPr>
-              <a:lnSpc>
-                <a:spcPct val="110000"/>
-              </a:lnSpc>
-              <a:spcAft>
-                <a:spcPts val="600"/>
-              </a:spcAft>
-              <a:buSzPct val="87000"/>
+              <a:rPr lang="en-GB" sz="1400" b="1" i="0" dirty="0">
+                <a:effectLst/>
+                <a:latin typeface="Grandview Display" panose="020B0502040204020203" pitchFamily="34" charset="0"/>
+              </a:rPr>
+              <a:t>Entity Relationship Diagram (ERD)</a:t>
+            </a:r>
+            <a:r>
+              <a:rPr lang="en-GB" sz="1400" b="0" i="0" dirty="0">
+                <a:effectLst/>
+                <a:latin typeface="Grandview Display" panose="020B0502040204020203" pitchFamily="34" charset="0"/>
+              </a:rPr>
+              <a:t>: Database </a:t>
+            </a:r>
+            <a:r>
+              <a:rPr lang="en-GB" sz="1400" b="0" i="0" dirty="0" err="1">
+                <a:effectLst/>
+                <a:latin typeface="Grandview Display" panose="020B0502040204020203" pitchFamily="34" charset="0"/>
+              </a:rPr>
+              <a:t>structuur</a:t>
+            </a:r>
+            <a:r>
+              <a:rPr lang="en-GB" sz="1400" b="0" i="0" dirty="0">
+                <a:effectLst/>
+                <a:latin typeface="Grandview Display" panose="020B0502040204020203" pitchFamily="34" charset="0"/>
+              </a:rPr>
+              <a:t> met </a:t>
+            </a:r>
+            <a:r>
+              <a:rPr lang="en-GB" sz="1400" b="0" i="0" dirty="0" err="1">
+                <a:effectLst/>
+                <a:latin typeface="Grandview Display" panose="020B0502040204020203" pitchFamily="34" charset="0"/>
+              </a:rPr>
+              <a:t>relaties</a:t>
+            </a:r>
+            <a:r>
+              <a:rPr lang="en-GB" sz="1400" b="0" i="0" dirty="0">
+                <a:effectLst/>
+                <a:latin typeface="Grandview Display" panose="020B0502040204020203" pitchFamily="34" charset="0"/>
+              </a:rPr>
+              <a:t> (</a:t>
+            </a:r>
+            <a:r>
+              <a:rPr lang="en-GB" sz="1400" b="0" i="0" dirty="0">
+                <a:effectLst/>
+                <a:latin typeface="Grandview Display" panose="020B0502040204020203" pitchFamily="34" charset="0"/>
+                <a:hlinkClick r:id="rId4"/>
+              </a:rPr>
+              <a:t>https://github.com/bonal58/Leroxexamen/blob/master/documentation/diagrams/entity_relationship_diagram.md</a:t>
+            </a:r>
+            <a:r>
+              <a:rPr lang="en-GB" sz="1400" dirty="0">
+                <a:latin typeface="Grandview Display" panose="020B0502040204020203" pitchFamily="34" charset="0"/>
+              </a:rPr>
+              <a:t>)</a:t>
+            </a:r>
+          </a:p>
+          <a:p>
+            <a:pPr algn="l">
               <a:buFont typeface="Arial" panose="020B0604020202020204" pitchFamily="34" charset="0"/>
               <a:buChar char="•"/>
             </a:pPr>
+            <a:endParaRPr lang="en-GB" sz="1400" b="0" i="0" dirty="0">
+              <a:effectLst/>
+              <a:latin typeface="Grandview Display" panose="020B0502040204020203" pitchFamily="34" charset="0"/>
+            </a:endParaRPr>
+          </a:p>
+          <a:p>
+            <a:pPr algn="l">
+              <a:buFont typeface="Arial" panose="020B0604020202020204" pitchFamily="34" charset="0"/>
+              <a:buChar char="•"/>
+            </a:pPr>
+            <a:r>
+              <a:rPr lang="en-GB" sz="1400" b="1" i="0" dirty="0" err="1">
+                <a:effectLst/>
+                <a:latin typeface="Grandview Display" panose="020B0502040204020203" pitchFamily="34" charset="0"/>
+              </a:rPr>
+              <a:t>Klassendiagram</a:t>
+            </a:r>
+            <a:r>
+              <a:rPr lang="en-GB" sz="1400" b="0" i="0" dirty="0">
+                <a:effectLst/>
+                <a:latin typeface="Grandview Display" panose="020B0502040204020203" pitchFamily="34" charset="0"/>
+              </a:rPr>
+              <a:t>: Alle </a:t>
+            </a:r>
+            <a:r>
+              <a:rPr lang="en-GB" sz="1400" b="0" i="0" dirty="0" err="1">
+                <a:effectLst/>
+                <a:latin typeface="Grandview Display" panose="020B0502040204020203" pitchFamily="34" charset="0"/>
+              </a:rPr>
+              <a:t>modellen</a:t>
+            </a:r>
+            <a:r>
+              <a:rPr lang="en-GB" sz="1400" b="0" i="0" dirty="0">
+                <a:effectLst/>
+                <a:latin typeface="Grandview Display" panose="020B0502040204020203" pitchFamily="34" charset="0"/>
+              </a:rPr>
+              <a:t> </a:t>
+            </a:r>
+            <a:r>
+              <a:rPr lang="en-GB" sz="1400" b="0" i="0" dirty="0" err="1">
+                <a:effectLst/>
+                <a:latin typeface="Grandview Display" panose="020B0502040204020203" pitchFamily="34" charset="0"/>
+              </a:rPr>
+              <a:t>en</a:t>
+            </a:r>
+            <a:r>
+              <a:rPr lang="en-GB" sz="1400" b="0" i="0" dirty="0">
+                <a:effectLst/>
+                <a:latin typeface="Grandview Display" panose="020B0502040204020203" pitchFamily="34" charset="0"/>
+              </a:rPr>
+              <a:t> </a:t>
+            </a:r>
+            <a:r>
+              <a:rPr lang="en-GB" sz="1400" b="0" i="0" dirty="0" err="1">
+                <a:effectLst/>
+                <a:latin typeface="Grandview Display" panose="020B0502040204020203" pitchFamily="34" charset="0"/>
+              </a:rPr>
+              <a:t>relaties</a:t>
+            </a:r>
+            <a:r>
+              <a:rPr lang="en-GB" sz="1400" b="0" i="0" dirty="0">
+                <a:effectLst/>
+                <a:latin typeface="Grandview Display" panose="020B0502040204020203" pitchFamily="34" charset="0"/>
+              </a:rPr>
+              <a:t> met </a:t>
+            </a:r>
+            <a:r>
+              <a:rPr lang="en-GB" sz="1400" b="0" i="0" dirty="0" err="1">
+                <a:effectLst/>
+                <a:latin typeface="Grandview Display" panose="020B0502040204020203" pitchFamily="34" charset="0"/>
+              </a:rPr>
+              <a:t>attributen</a:t>
+            </a:r>
+            <a:r>
+              <a:rPr lang="en-GB" sz="1400" b="0" i="0" dirty="0">
+                <a:effectLst/>
+                <a:latin typeface="Grandview Display" panose="020B0502040204020203" pitchFamily="34" charset="0"/>
+              </a:rPr>
+              <a:t> </a:t>
+            </a:r>
+            <a:r>
+              <a:rPr lang="en-GB" sz="1400" b="0" i="0" dirty="0" err="1">
+                <a:effectLst/>
+                <a:latin typeface="Grandview Display" panose="020B0502040204020203" pitchFamily="34" charset="0"/>
+              </a:rPr>
+              <a:t>en</a:t>
+            </a:r>
+            <a:r>
+              <a:rPr lang="en-GB" sz="1400" b="0" i="0" dirty="0">
+                <a:effectLst/>
+                <a:latin typeface="Grandview Display" panose="020B0502040204020203" pitchFamily="34" charset="0"/>
+              </a:rPr>
+              <a:t> </a:t>
+            </a:r>
+            <a:r>
+              <a:rPr lang="en-GB" sz="1400" b="0" i="0" dirty="0" err="1">
+                <a:effectLst/>
+                <a:latin typeface="Grandview Display" panose="020B0502040204020203" pitchFamily="34" charset="0"/>
+              </a:rPr>
+              <a:t>methodes</a:t>
+            </a:r>
+            <a:endParaRPr lang="en-GB" sz="1400" b="0" i="0" dirty="0">
+              <a:effectLst/>
+              <a:latin typeface="Grandview Display" panose="020B0502040204020203" pitchFamily="34" charset="0"/>
+            </a:endParaRPr>
+          </a:p>
+          <a:p>
+            <a:pPr algn="l"/>
+            <a:r>
+              <a:rPr lang="en-GB" sz="1400" b="0" i="0" dirty="0">
+                <a:effectLst/>
+                <a:latin typeface="Grandview Display" panose="020B0502040204020203" pitchFamily="34" charset="0"/>
+              </a:rPr>
+              <a:t>(</a:t>
+            </a:r>
+            <a:r>
+              <a:rPr lang="en-GB" sz="1400" b="0" i="0" dirty="0">
+                <a:effectLst/>
+                <a:latin typeface="Grandview Display" panose="020B0502040204020203" pitchFamily="34" charset="0"/>
+                <a:hlinkClick r:id="rId5"/>
+              </a:rPr>
+              <a:t>https://github.com/bonal58/Leroxexamen/blob/master/documentation/diagrams/class_diagram.md</a:t>
+            </a:r>
+            <a:r>
+              <a:rPr lang="en-GB" sz="1400" b="0" i="0" dirty="0">
+                <a:effectLst/>
+                <a:latin typeface="Grandview Display" panose="020B0502040204020203" pitchFamily="34" charset="0"/>
+              </a:rPr>
+              <a:t>)</a:t>
+            </a:r>
+          </a:p>
+          <a:p>
+            <a:pPr algn="l">
+              <a:buFont typeface="Arial" panose="020B0604020202020204" pitchFamily="34" charset="0"/>
+              <a:buChar char="•"/>
+            </a:pPr>
+            <a:endParaRPr lang="en-GB" sz="1400" b="0" i="0" dirty="0">
+              <a:effectLst/>
+              <a:latin typeface="Grandview Display" panose="020B0502040204020203" pitchFamily="34" charset="0"/>
+            </a:endParaRPr>
+          </a:p>
+          <a:p>
+            <a:pPr algn="l">
+              <a:buFont typeface="Arial" panose="020B0604020202020204" pitchFamily="34" charset="0"/>
+              <a:buChar char="•"/>
+            </a:pPr>
+            <a:r>
+              <a:rPr lang="en-GB" sz="1400" b="1" i="0" dirty="0">
+                <a:effectLst/>
+                <a:latin typeface="Grandview Display" panose="020B0502040204020203" pitchFamily="34" charset="0"/>
+              </a:rPr>
+              <a:t>Use Case Diagram</a:t>
+            </a:r>
+            <a:r>
+              <a:rPr lang="en-GB" sz="1400" b="0" i="0" dirty="0">
+                <a:effectLst/>
+                <a:latin typeface="Grandview Display" panose="020B0502040204020203" pitchFamily="34" charset="0"/>
+              </a:rPr>
+              <a:t>: </a:t>
+            </a:r>
+            <a:r>
+              <a:rPr lang="en-GB" sz="1400" b="0" i="0" dirty="0" err="1">
+                <a:effectLst/>
+                <a:latin typeface="Grandview Display" panose="020B0502040204020203" pitchFamily="34" charset="0"/>
+              </a:rPr>
+              <a:t>Gebruikersinteracties</a:t>
+            </a:r>
+            <a:r>
+              <a:rPr lang="en-GB" sz="1400" b="0" i="0" dirty="0">
+                <a:effectLst/>
+                <a:latin typeface="Grandview Display" panose="020B0502040204020203" pitchFamily="34" charset="0"/>
+              </a:rPr>
+              <a:t> per </a:t>
+            </a:r>
+            <a:r>
+              <a:rPr lang="en-GB" sz="1400" b="0" i="0" dirty="0" err="1">
+                <a:effectLst/>
+                <a:latin typeface="Grandview Display" panose="020B0502040204020203" pitchFamily="34" charset="0"/>
+              </a:rPr>
+              <a:t>rol</a:t>
+            </a:r>
+            <a:endParaRPr lang="en-GB" sz="1400" b="0" i="0" dirty="0">
+              <a:effectLst/>
+              <a:latin typeface="Grandview Display" panose="020B0502040204020203" pitchFamily="34" charset="0"/>
+            </a:endParaRPr>
+          </a:p>
+          <a:p>
+            <a:pPr algn="l"/>
+            <a:r>
+              <a:rPr lang="en-GB" sz="1400" b="0" i="0" dirty="0">
+                <a:effectLst/>
+                <a:latin typeface="Grandview Display" panose="020B0502040204020203" pitchFamily="34" charset="0"/>
+              </a:rPr>
+              <a:t>(</a:t>
+            </a:r>
+            <a:r>
+              <a:rPr lang="en-GB" sz="1400" b="0" i="0" dirty="0">
+                <a:effectLst/>
+                <a:latin typeface="Grandview Display" panose="020B0502040204020203" pitchFamily="34" charset="0"/>
+                <a:hlinkClick r:id="rId6"/>
+              </a:rPr>
+              <a:t>https://github.com/bonal58/Leroxexamen/blob/master/documentation/diagrams/use_case_diagram.md</a:t>
+            </a:r>
+            <a:r>
+              <a:rPr lang="en-GB" sz="1400" b="0" i="0" dirty="0">
+                <a:effectLst/>
+                <a:latin typeface="Grandview Display" panose="020B0502040204020203" pitchFamily="34" charset="0"/>
+              </a:rPr>
+              <a:t>)</a:t>
+            </a:r>
+          </a:p>
+          <a:p>
+            <a:pPr algn="l"/>
+            <a:endParaRPr lang="en-GB" sz="1400" b="0" i="0" dirty="0">
+              <a:effectLst/>
+              <a:latin typeface="Grandview Display" panose="020B0502040204020203" pitchFamily="34" charset="0"/>
+            </a:endParaRPr>
+          </a:p>
+          <a:p>
+            <a:pPr algn="l">
+              <a:buFont typeface="Arial" panose="020B0604020202020204" pitchFamily="34" charset="0"/>
+              <a:buChar char="•"/>
+            </a:pPr>
+            <a:r>
+              <a:rPr lang="en-GB" sz="1400" b="1" i="0" dirty="0">
+                <a:effectLst/>
+                <a:latin typeface="Grandview Display" panose="020B0502040204020203" pitchFamily="34" charset="0"/>
+              </a:rPr>
+              <a:t>Sequence Diagram</a:t>
+            </a:r>
+            <a:r>
+              <a:rPr lang="en-GB" sz="1400" b="0" i="0" dirty="0">
+                <a:effectLst/>
+                <a:latin typeface="Grandview Display" panose="020B0502040204020203" pitchFamily="34" charset="0"/>
+              </a:rPr>
+              <a:t>: </a:t>
+            </a:r>
+            <a:r>
+              <a:rPr lang="en-GB" sz="1400" b="0" i="0" dirty="0" err="1">
+                <a:effectLst/>
+                <a:latin typeface="Grandview Display" panose="020B0502040204020203" pitchFamily="34" charset="0"/>
+              </a:rPr>
+              <a:t>Foto</a:t>
+            </a:r>
+            <a:r>
+              <a:rPr lang="en-GB" sz="1400" b="0" i="0" dirty="0">
+                <a:effectLst/>
+                <a:latin typeface="Grandview Display" panose="020B0502040204020203" pitchFamily="34" charset="0"/>
+              </a:rPr>
+              <a:t>-upload </a:t>
+            </a:r>
+            <a:r>
+              <a:rPr lang="en-GB" sz="1400" b="0" i="0" dirty="0" err="1">
+                <a:effectLst/>
+                <a:latin typeface="Grandview Display" panose="020B0502040204020203" pitchFamily="34" charset="0"/>
+              </a:rPr>
+              <a:t>proces</a:t>
+            </a:r>
+            <a:r>
+              <a:rPr lang="en-GB" sz="1400" b="0" i="0" dirty="0">
+                <a:effectLst/>
+                <a:latin typeface="Grandview Display" panose="020B0502040204020203" pitchFamily="34" charset="0"/>
+              </a:rPr>
+              <a:t> </a:t>
+            </a:r>
+            <a:r>
+              <a:rPr lang="en-GB" sz="1400" b="0" i="0" dirty="0" err="1">
+                <a:effectLst/>
+                <a:latin typeface="Grandview Display" panose="020B0502040204020203" pitchFamily="34" charset="0"/>
+              </a:rPr>
+              <a:t>en</a:t>
+            </a:r>
+            <a:r>
+              <a:rPr lang="en-GB" sz="1400" b="0" i="0" dirty="0">
+                <a:effectLst/>
+                <a:latin typeface="Grandview Display" panose="020B0502040204020203" pitchFamily="34" charset="0"/>
+              </a:rPr>
+              <a:t> </a:t>
+            </a:r>
+            <a:r>
+              <a:rPr lang="en-GB" sz="1400" b="0" i="0" dirty="0" err="1">
+                <a:effectLst/>
+                <a:latin typeface="Grandview Display" panose="020B0502040204020203" pitchFamily="34" charset="0"/>
+              </a:rPr>
+              <a:t>autorisatieflow</a:t>
+            </a:r>
+            <a:endParaRPr lang="en-GB" sz="1400" b="0" i="0" dirty="0">
+              <a:effectLst/>
+              <a:latin typeface="Grandview Display" panose="020B0502040204020203" pitchFamily="34" charset="0"/>
+            </a:endParaRPr>
+          </a:p>
+          <a:p>
+            <a:pPr algn="l"/>
+            <a:r>
+              <a:rPr lang="en-GB" sz="1400" dirty="0">
+                <a:latin typeface="Grandview Display" panose="020B0502040204020203" pitchFamily="34" charset="0"/>
+              </a:rPr>
+              <a:t>(</a:t>
+            </a:r>
+            <a:r>
+              <a:rPr lang="en-GB" sz="1400" dirty="0">
+                <a:latin typeface="Grandview Display" panose="020B0502040204020203" pitchFamily="34" charset="0"/>
+                <a:hlinkClick r:id="rId7"/>
+              </a:rPr>
+              <a:t>https://github.com/bonal58/Leroxexamen/blob/master/documentation/diagrams/sequence_diagram.md</a:t>
+            </a:r>
+            <a:r>
+              <a:rPr lang="en-GB" sz="1400" dirty="0">
+                <a:latin typeface="Grandview Display" panose="020B0502040204020203" pitchFamily="34" charset="0"/>
+              </a:rPr>
+              <a:t>)</a:t>
+            </a:r>
+          </a:p>
+          <a:p>
+            <a:pPr algn="l"/>
+            <a:endParaRPr lang="en-GB" sz="1400" b="0" i="0" dirty="0">
+              <a:effectLst/>
+              <a:latin typeface="Grandview Display" panose="020B0502040204020203" pitchFamily="34" charset="0"/>
+            </a:endParaRPr>
+          </a:p>
+          <a:p>
             <a:br>
-              <a:rPr lang="en-US" sz="1500" dirty="0"/>
+              <a:rPr lang="en-GB" sz="1400" dirty="0">
+                <a:latin typeface="Grandview Display" panose="020B0502040204020203" pitchFamily="34" charset="0"/>
+              </a:rPr>
             </a:br>
-            <a:endParaRPr lang="en-US" sz="1500" dirty="0"/>
+            <a:endParaRPr lang="en-US" sz="1400" dirty="0">
+              <a:latin typeface="Grandview Display" panose="020B0502040204020203" pitchFamily="34" charset="0"/>
+            </a:endParaRPr>
           </a:p>
         </p:txBody>
       </p:sp>
@@ -15026,7 +15896,7 @@
       </p:grpSpPr>
       <p:sp useBgFill="1">
         <p:nvSpPr>
-          <p:cNvPr id="20" name="Rectangle 19">
+          <p:cNvPr id="34" name="Rectangle 33">
             <a:extLst>
               <a:ext uri="{FF2B5EF4-FFF2-40B4-BE49-F238E27FC236}">
                 <a16:creationId xmlns:a16="http://schemas.microsoft.com/office/drawing/2014/main" id="{744CAA32-F237-419C-A2DD-43C28D920D3C}"/>
@@ -15118,8 +15988,8 @@
         </p:nvSpPr>
         <p:spPr>
           <a:xfrm>
-            <a:off x="638877" y="24713"/>
-            <a:ext cx="4261104" cy="919733"/>
+            <a:off x="6106657" y="1371600"/>
+            <a:ext cx="5424353" cy="1097280"/>
           </a:xfrm>
         </p:spPr>
         <p:txBody>
@@ -15134,683 +16004,23 @@
               </a:lnSpc>
             </a:pPr>
             <a:r>
-              <a:rPr lang="en-US" sz="2300" dirty="0">
+              <a:rPr lang="en-US" sz="3100">
                 <a:effectLst/>
               </a:rPr>
               <a:t>B1-K1-W4: Test software</a:t>
             </a:r>
             <a:br>
-              <a:rPr lang="en-US" sz="2300" dirty="0">
+              <a:rPr lang="en-US" sz="3100">
                 <a:effectLst/>
               </a:rPr>
             </a:br>
             <a:r>
-              <a:rPr lang="en-US" sz="2300" dirty="0">
-                <a:effectLst/>
-              </a:rPr>
-              <a:t>(GitHub </a:t>
-            </a:r>
-            <a:r>
-              <a:rPr lang="en-US" sz="2300" dirty="0" err="1">
-                <a:effectLst/>
-              </a:rPr>
-              <a:t>voor</a:t>
-            </a:r>
-            <a:r>
-              <a:rPr lang="en-US" sz="2300" dirty="0">
-                <a:effectLst/>
-              </a:rPr>
-              <a:t> test </a:t>
-            </a:r>
-            <a:r>
-              <a:rPr lang="en-US" sz="2300" dirty="0" err="1">
-                <a:effectLst/>
-              </a:rPr>
-              <a:t>resultaten</a:t>
-            </a:r>
-            <a:r>
-              <a:rPr lang="en-US" sz="2300" dirty="0">
-                <a:effectLst/>
-              </a:rPr>
-              <a:t>)</a:t>
-            </a:r>
-            <a:endParaRPr lang="en-US" sz="2300" dirty="0"/>
-          </a:p>
-        </p:txBody>
-      </p:sp>
-      <p:sp>
-        <p:nvSpPr>
-          <p:cNvPr id="6" name="TextBox 5">
-            <a:extLst>
-              <a:ext uri="{FF2B5EF4-FFF2-40B4-BE49-F238E27FC236}">
-                <a16:creationId xmlns:a16="http://schemas.microsoft.com/office/drawing/2014/main" id="{10621F8C-C759-BF36-8D8D-92E108118CCD}"/>
-              </a:ext>
-            </a:extLst>
-          </p:cNvPr>
-          <p:cNvSpPr txBox="1"/>
-          <p:nvPr/>
-        </p:nvSpPr>
-        <p:spPr>
-          <a:xfrm>
-            <a:off x="638877" y="944446"/>
-            <a:ext cx="5032250" cy="5938259"/>
-          </a:xfrm>
-          <a:prstGeom prst="rect">
-            <a:avLst/>
-          </a:prstGeom>
-        </p:spPr>
-        <p:txBody>
-          <a:bodyPr vert="horz" lIns="91440" tIns="45720" rIns="91440" bIns="45720" rtlCol="0">
-            <a:normAutofit/>
-          </a:bodyPr>
-          <a:lstStyle/>
-          <a:p>
-            <a:pPr>
-              <a:lnSpc>
-                <a:spcPct val="110000"/>
-              </a:lnSpc>
-              <a:spcAft>
-                <a:spcPts val="600"/>
-              </a:spcAft>
-              <a:buSzPct val="87000"/>
-              <a:buFont typeface="Arial" panose="020B0604020202020204" pitchFamily="34" charset="0"/>
-              <a:buChar char="•"/>
-            </a:pPr>
-            <a:r>
-              <a:rPr lang="en-US" sz="1400" b="1" i="0" dirty="0" err="1">
-                <a:effectLst/>
-              </a:rPr>
-              <a:t>Testplan</a:t>
-            </a:r>
-            <a:r>
-              <a:rPr lang="en-US" sz="1400" b="1" i="0" dirty="0">
-                <a:effectLst/>
-              </a:rPr>
-              <a:t> &amp; </a:t>
-            </a:r>
-            <a:r>
-              <a:rPr lang="en-US" sz="1400" b="1" i="0" dirty="0" err="1">
-                <a:effectLst/>
-              </a:rPr>
-              <a:t>Uitvoering</a:t>
-            </a:r>
-            <a:endParaRPr lang="en-US" sz="1400" b="1" i="0" dirty="0">
-              <a:effectLst/>
-            </a:endParaRPr>
-          </a:p>
-          <a:p>
-            <a:pPr>
-              <a:lnSpc>
-                <a:spcPct val="110000"/>
-              </a:lnSpc>
-              <a:spcAft>
-                <a:spcPts val="600"/>
-              </a:spcAft>
-              <a:buSzPct val="87000"/>
-              <a:buFont typeface="Arial" panose="020B0604020202020204" pitchFamily="34" charset="0"/>
-              <a:buChar char="•"/>
-            </a:pPr>
-            <a:r>
-              <a:rPr lang="en-US" sz="1400" b="0" i="0" dirty="0" err="1">
-                <a:effectLst/>
-              </a:rPr>
-              <a:t>Systematische</a:t>
-            </a:r>
-            <a:r>
-              <a:rPr lang="en-US" sz="1400" b="0" i="0" dirty="0">
-                <a:effectLst/>
-              </a:rPr>
-              <a:t> </a:t>
-            </a:r>
-            <a:r>
-              <a:rPr lang="en-US" sz="1400" b="0" i="0" dirty="0" err="1">
-                <a:effectLst/>
-              </a:rPr>
-              <a:t>testaanpak</a:t>
-            </a:r>
-            <a:r>
-              <a:rPr lang="en-US" sz="1400" b="0" i="0" dirty="0">
-                <a:effectLst/>
-              </a:rPr>
-              <a:t> met </a:t>
-            </a:r>
-            <a:r>
-              <a:rPr lang="en-US" sz="1400" b="0" i="0" dirty="0" err="1">
-                <a:effectLst/>
-              </a:rPr>
-              <a:t>gedocumenteerde</a:t>
-            </a:r>
-            <a:r>
-              <a:rPr lang="en-US" sz="1400" b="0" i="0" dirty="0">
-                <a:effectLst/>
-              </a:rPr>
-              <a:t> </a:t>
-            </a:r>
-            <a:r>
-              <a:rPr lang="en-US" sz="1400" b="0" i="0" dirty="0" err="1">
-                <a:effectLst/>
-              </a:rPr>
-              <a:t>testscenario's</a:t>
-            </a:r>
-            <a:endParaRPr lang="en-US" sz="1400" b="0" i="0" dirty="0">
-              <a:effectLst/>
-            </a:endParaRPr>
-          </a:p>
-          <a:p>
-            <a:pPr>
-              <a:lnSpc>
-                <a:spcPct val="110000"/>
-              </a:lnSpc>
-              <a:spcAft>
-                <a:spcPts val="600"/>
-              </a:spcAft>
-              <a:buSzPct val="87000"/>
-              <a:buFont typeface="Arial" panose="020B0604020202020204" pitchFamily="34" charset="0"/>
-              <a:buChar char="•"/>
-            </a:pPr>
-            <a:r>
-              <a:rPr lang="en-US" sz="1400" b="0" i="0" dirty="0" err="1">
-                <a:effectLst/>
-              </a:rPr>
-              <a:t>Functionele</a:t>
-            </a:r>
-            <a:r>
-              <a:rPr lang="en-US" sz="1400" b="0" i="0" dirty="0">
-                <a:effectLst/>
-              </a:rPr>
-              <a:t>, </a:t>
-            </a:r>
-            <a:r>
-              <a:rPr lang="en-US" sz="1400" b="0" i="0" dirty="0" err="1">
-                <a:effectLst/>
-              </a:rPr>
-              <a:t>gebruikers</a:t>
-            </a:r>
-            <a:r>
-              <a:rPr lang="en-US" sz="1400" b="0" i="0" dirty="0">
-                <a:effectLst/>
-              </a:rPr>
-              <a:t>-, </a:t>
-            </a:r>
-            <a:r>
-              <a:rPr lang="en-US" sz="1400" b="0" i="0" dirty="0" err="1">
-                <a:effectLst/>
-              </a:rPr>
-              <a:t>beveiligings</a:t>
-            </a:r>
-            <a:r>
-              <a:rPr lang="en-US" sz="1400" b="0" i="0" dirty="0">
-                <a:effectLst/>
-              </a:rPr>
-              <a:t>- </a:t>
-            </a:r>
-            <a:r>
-              <a:rPr lang="en-US" sz="1400" b="0" i="0" dirty="0" err="1">
-                <a:effectLst/>
-              </a:rPr>
-              <a:t>en</a:t>
-            </a:r>
-            <a:r>
-              <a:rPr lang="en-US" sz="1400" b="0" i="0" dirty="0">
-                <a:effectLst/>
-              </a:rPr>
-              <a:t> </a:t>
-            </a:r>
-            <a:r>
-              <a:rPr lang="en-US" sz="1400" b="0" i="0" dirty="0" err="1">
-                <a:effectLst/>
-              </a:rPr>
-              <a:t>performancetests</a:t>
-            </a:r>
-            <a:endParaRPr lang="en-US" sz="1400" b="0" i="0" dirty="0">
-              <a:effectLst/>
-            </a:endParaRPr>
-          </a:p>
-          <a:p>
-            <a:pPr>
-              <a:lnSpc>
-                <a:spcPct val="110000"/>
-              </a:lnSpc>
-              <a:spcAft>
-                <a:spcPts val="600"/>
-              </a:spcAft>
-              <a:buSzPct val="87000"/>
-              <a:buFont typeface="Arial" panose="020B0604020202020204" pitchFamily="34" charset="0"/>
-              <a:buChar char="•"/>
-            </a:pPr>
-            <a:r>
-              <a:rPr lang="en-US" sz="1400" b="0" i="0" dirty="0" err="1">
-                <a:effectLst/>
-              </a:rPr>
-              <a:t>Geautomatiseerde</a:t>
-            </a:r>
-            <a:r>
-              <a:rPr lang="en-US" sz="1400" b="0" i="0" dirty="0">
-                <a:effectLst/>
-              </a:rPr>
-              <a:t> tests </a:t>
-            </a:r>
-            <a:r>
-              <a:rPr lang="en-US" sz="1400" b="0" i="0" dirty="0" err="1">
-                <a:effectLst/>
-              </a:rPr>
-              <a:t>voor</a:t>
-            </a:r>
-            <a:r>
-              <a:rPr lang="en-US" sz="1400" b="0" i="0" dirty="0">
-                <a:effectLst/>
-              </a:rPr>
-              <a:t> </a:t>
-            </a:r>
-            <a:r>
-              <a:rPr lang="en-US" sz="1400" b="0" i="0" dirty="0" err="1">
-                <a:effectLst/>
-              </a:rPr>
-              <a:t>kritieke</a:t>
-            </a:r>
-            <a:r>
-              <a:rPr lang="en-US" sz="1400" b="0" i="0" dirty="0">
-                <a:effectLst/>
-              </a:rPr>
-              <a:t> </a:t>
-            </a:r>
-            <a:r>
-              <a:rPr lang="en-US" sz="1400" b="0" i="0" dirty="0" err="1">
-                <a:effectLst/>
-              </a:rPr>
-              <a:t>functionaliteit</a:t>
-            </a:r>
-            <a:endParaRPr lang="en-US" sz="1400" b="0" i="0" dirty="0">
-              <a:effectLst/>
-            </a:endParaRPr>
-          </a:p>
-          <a:p>
-            <a:pPr>
-              <a:lnSpc>
-                <a:spcPct val="110000"/>
-              </a:lnSpc>
-              <a:spcAft>
-                <a:spcPts val="600"/>
-              </a:spcAft>
-              <a:buSzPct val="87000"/>
-              <a:buFont typeface="Arial" panose="020B0604020202020204" pitchFamily="34" charset="0"/>
-              <a:buChar char="•"/>
-            </a:pPr>
-            <a:r>
-              <a:rPr lang="en-US" sz="1400" b="1" i="0" dirty="0" err="1">
-                <a:effectLst/>
-              </a:rPr>
-              <a:t>Testresultaten</a:t>
-            </a:r>
-            <a:endParaRPr lang="en-US" sz="1400" b="1" i="0" dirty="0">
-              <a:effectLst/>
-            </a:endParaRPr>
-          </a:p>
-          <a:p>
-            <a:pPr>
-              <a:lnSpc>
-                <a:spcPct val="110000"/>
-              </a:lnSpc>
-              <a:spcAft>
-                <a:spcPts val="600"/>
-              </a:spcAft>
-              <a:buSzPct val="87000"/>
-              <a:buFont typeface="Arial" panose="020B0604020202020204" pitchFamily="34" charset="0"/>
-              <a:buChar char="•"/>
-            </a:pPr>
-            <a:r>
-              <a:rPr lang="en-US" sz="1400" b="1" i="0" dirty="0" err="1">
-                <a:effectLst/>
-              </a:rPr>
-              <a:t>Functionele</a:t>
-            </a:r>
-            <a:r>
-              <a:rPr lang="en-US" sz="1400" b="1" i="0" dirty="0">
-                <a:effectLst/>
-              </a:rPr>
-              <a:t> tests</a:t>
-            </a:r>
-            <a:r>
-              <a:rPr lang="en-US" sz="1400" b="0" i="0" dirty="0">
-                <a:effectLst/>
-              </a:rPr>
-              <a:t>: 100% </a:t>
-            </a:r>
-            <a:r>
-              <a:rPr lang="en-US" sz="1400" b="0" i="0" dirty="0" err="1">
-                <a:effectLst/>
-              </a:rPr>
-              <a:t>geslaagd</a:t>
-            </a:r>
-            <a:endParaRPr lang="en-US" sz="1400" b="0" i="0" dirty="0">
-              <a:effectLst/>
-            </a:endParaRPr>
-          </a:p>
-          <a:p>
-            <a:pPr>
-              <a:lnSpc>
-                <a:spcPct val="110000"/>
-              </a:lnSpc>
-              <a:spcAft>
-                <a:spcPts val="600"/>
-              </a:spcAft>
-              <a:buSzPct val="87000"/>
-              <a:buFont typeface="Arial" panose="020B0604020202020204" pitchFamily="34" charset="0"/>
-              <a:buChar char="•"/>
-            </a:pPr>
-            <a:r>
-              <a:rPr lang="en-US" sz="1400" b="1" i="0" dirty="0" err="1">
-                <a:effectLst/>
-              </a:rPr>
-              <a:t>Gebruikersacceptatietests</a:t>
-            </a:r>
-            <a:r>
-              <a:rPr lang="en-US" sz="1400" b="0" i="0" dirty="0">
-                <a:effectLst/>
-              </a:rPr>
-              <a:t>: 100% </a:t>
-            </a:r>
-            <a:r>
-              <a:rPr lang="en-US" sz="1400" b="0" i="0" dirty="0" err="1">
-                <a:effectLst/>
-              </a:rPr>
-              <a:t>geslaagd</a:t>
-            </a:r>
-            <a:endParaRPr lang="en-US" sz="1400" b="0" i="0" dirty="0">
-              <a:effectLst/>
-            </a:endParaRPr>
-          </a:p>
-          <a:p>
-            <a:pPr>
-              <a:lnSpc>
-                <a:spcPct val="110000"/>
-              </a:lnSpc>
-              <a:spcAft>
-                <a:spcPts val="600"/>
-              </a:spcAft>
-              <a:buSzPct val="87000"/>
-              <a:buFont typeface="Arial" panose="020B0604020202020204" pitchFamily="34" charset="0"/>
-              <a:buChar char="•"/>
-            </a:pPr>
-            <a:r>
-              <a:rPr lang="en-US" sz="1400" b="1" i="0" dirty="0" err="1">
-                <a:effectLst/>
-              </a:rPr>
-              <a:t>Beveiligingstests</a:t>
-            </a:r>
-            <a:r>
-              <a:rPr lang="en-US" sz="1400" b="0" i="0" dirty="0">
-                <a:effectLst/>
-              </a:rPr>
-              <a:t>: 100% </a:t>
-            </a:r>
-            <a:r>
-              <a:rPr lang="en-US" sz="1400" b="0" i="0" dirty="0" err="1">
-                <a:effectLst/>
-              </a:rPr>
-              <a:t>geslaagd</a:t>
-            </a:r>
-            <a:endParaRPr lang="en-US" sz="1400" b="0" i="0" dirty="0">
-              <a:effectLst/>
-            </a:endParaRPr>
-          </a:p>
-          <a:p>
-            <a:pPr>
-              <a:lnSpc>
-                <a:spcPct val="110000"/>
-              </a:lnSpc>
-              <a:spcAft>
-                <a:spcPts val="600"/>
-              </a:spcAft>
-              <a:buSzPct val="87000"/>
-              <a:buFont typeface="Arial" panose="020B0604020202020204" pitchFamily="34" charset="0"/>
-              <a:buChar char="•"/>
-            </a:pPr>
-            <a:r>
-              <a:rPr lang="en-US" sz="1400" b="1" i="0" dirty="0" err="1">
-                <a:effectLst/>
-              </a:rPr>
-              <a:t>Responsiviteitstests</a:t>
-            </a:r>
-            <a:r>
-              <a:rPr lang="en-US" sz="1400" b="0" i="0" dirty="0">
-                <a:effectLst/>
-              </a:rPr>
-              <a:t>: 100% </a:t>
-            </a:r>
-            <a:r>
-              <a:rPr lang="en-US" sz="1400" b="0" i="0" dirty="0" err="1">
-                <a:effectLst/>
-              </a:rPr>
-              <a:t>geslaagd</a:t>
-            </a:r>
-            <a:endParaRPr lang="en-US" sz="1400" b="0" i="0" dirty="0">
-              <a:effectLst/>
-            </a:endParaRPr>
-          </a:p>
-          <a:p>
-            <a:pPr>
-              <a:lnSpc>
-                <a:spcPct val="110000"/>
-              </a:lnSpc>
-              <a:spcAft>
-                <a:spcPts val="600"/>
-              </a:spcAft>
-              <a:buSzPct val="87000"/>
-              <a:buFont typeface="Arial" panose="020B0604020202020204" pitchFamily="34" charset="0"/>
-              <a:buChar char="•"/>
-            </a:pPr>
-            <a:r>
-              <a:rPr lang="en-US" sz="1400" b="1" i="0" dirty="0" err="1">
-                <a:effectLst/>
-              </a:rPr>
-              <a:t>Performancetests</a:t>
-            </a:r>
-            <a:r>
-              <a:rPr lang="en-US" sz="1400" b="0" i="0" dirty="0">
-                <a:effectLst/>
-              </a:rPr>
-              <a:t>: 80% </a:t>
-            </a:r>
-            <a:r>
-              <a:rPr lang="en-US" sz="1400" b="0" i="0" dirty="0" err="1">
-                <a:effectLst/>
-              </a:rPr>
-              <a:t>geslaagd</a:t>
-            </a:r>
-            <a:endParaRPr lang="en-US" sz="1400" b="0" i="0" dirty="0">
-              <a:effectLst/>
-            </a:endParaRPr>
-          </a:p>
-          <a:p>
-            <a:pPr>
-              <a:lnSpc>
-                <a:spcPct val="110000"/>
-              </a:lnSpc>
-              <a:spcAft>
-                <a:spcPts val="600"/>
-              </a:spcAft>
-              <a:buSzPct val="87000"/>
-              <a:buFont typeface="Arial" panose="020B0604020202020204" pitchFamily="34" charset="0"/>
-              <a:buChar char="•"/>
-            </a:pPr>
-            <a:r>
-              <a:rPr lang="en-US" sz="1400" b="1" i="0" dirty="0" err="1">
-                <a:effectLst/>
-              </a:rPr>
-              <a:t>Totaal</a:t>
-            </a:r>
-            <a:r>
-              <a:rPr lang="en-US" sz="1400" b="0" i="0" dirty="0">
-                <a:effectLst/>
-              </a:rPr>
-              <a:t>: 98% </a:t>
-            </a:r>
-            <a:r>
-              <a:rPr lang="en-US" sz="1400" b="0" i="0" dirty="0" err="1">
-                <a:effectLst/>
-              </a:rPr>
-              <a:t>geslaagd</a:t>
-            </a:r>
-            <a:endParaRPr lang="en-US" sz="1400" b="0" i="0" dirty="0">
-              <a:effectLst/>
-            </a:endParaRPr>
-          </a:p>
-          <a:p>
-            <a:pPr>
-              <a:lnSpc>
-                <a:spcPct val="110000"/>
-              </a:lnSpc>
-              <a:spcAft>
-                <a:spcPts val="600"/>
-              </a:spcAft>
-              <a:buSzPct val="87000"/>
-              <a:buFont typeface="Arial" panose="020B0604020202020204" pitchFamily="34" charset="0"/>
-              <a:buChar char="•"/>
-            </a:pPr>
-            <a:r>
-              <a:rPr lang="en-US" sz="1400" b="1" i="0" dirty="0" err="1">
-                <a:effectLst/>
-              </a:rPr>
-              <a:t>Gevonden</a:t>
-            </a:r>
-            <a:r>
-              <a:rPr lang="en-US" sz="1400" b="1" i="0" dirty="0">
-                <a:effectLst/>
-              </a:rPr>
-              <a:t> </a:t>
-            </a:r>
-            <a:r>
-              <a:rPr lang="en-US" sz="1400" b="1" i="0" dirty="0" err="1">
-                <a:effectLst/>
-              </a:rPr>
-              <a:t>Probleem</a:t>
-            </a:r>
-            <a:r>
-              <a:rPr lang="en-US" sz="1400" b="1" i="0" dirty="0">
-                <a:effectLst/>
-              </a:rPr>
-              <a:t> &amp; </a:t>
-            </a:r>
-            <a:r>
-              <a:rPr lang="en-US" sz="1400" b="1" i="0" dirty="0" err="1">
-                <a:effectLst/>
-              </a:rPr>
-              <a:t>Oplossing</a:t>
-            </a:r>
-            <a:endParaRPr lang="en-US" sz="1400" b="1" i="0" dirty="0">
-              <a:effectLst/>
-            </a:endParaRPr>
-          </a:p>
-          <a:p>
-            <a:pPr>
-              <a:lnSpc>
-                <a:spcPct val="110000"/>
-              </a:lnSpc>
-              <a:spcAft>
-                <a:spcPts val="600"/>
-              </a:spcAft>
-              <a:buSzPct val="87000"/>
-              <a:buFont typeface="Arial" panose="020B0604020202020204" pitchFamily="34" charset="0"/>
-              <a:buChar char="•"/>
-            </a:pPr>
-            <a:r>
-              <a:rPr lang="en-US" sz="1400" b="0" i="0" dirty="0" err="1">
-                <a:effectLst/>
-              </a:rPr>
-              <a:t>Probleem</a:t>
-            </a:r>
-            <a:r>
-              <a:rPr lang="en-US" sz="1400" b="0" i="0" dirty="0">
-                <a:effectLst/>
-              </a:rPr>
-              <a:t>: </a:t>
-            </a:r>
-            <a:r>
-              <a:rPr lang="en-US" sz="1400" b="0" i="0" dirty="0" err="1">
-                <a:effectLst/>
-              </a:rPr>
-              <a:t>Laadtijd</a:t>
-            </a:r>
-            <a:r>
-              <a:rPr lang="en-US" sz="1400" b="0" i="0" dirty="0">
-                <a:effectLst/>
-              </a:rPr>
-              <a:t> </a:t>
-            </a:r>
-            <a:r>
-              <a:rPr lang="en-US" sz="1400" b="0" i="0" dirty="0" err="1">
-                <a:effectLst/>
-              </a:rPr>
-              <a:t>detailpagina's</a:t>
-            </a:r>
-            <a:r>
-              <a:rPr lang="en-US" sz="1400" b="0" i="0" dirty="0">
-                <a:effectLst/>
-              </a:rPr>
-              <a:t> met </a:t>
-            </a:r>
-            <a:r>
-              <a:rPr lang="en-US" sz="1400" b="0" i="0" dirty="0" err="1">
-                <a:effectLst/>
-              </a:rPr>
-              <a:t>meerdere</a:t>
-            </a:r>
-            <a:r>
-              <a:rPr lang="en-US" sz="1400" b="0" i="0" dirty="0">
-                <a:effectLst/>
-              </a:rPr>
-              <a:t> </a:t>
-            </a:r>
-            <a:r>
-              <a:rPr lang="en-US" sz="1400" b="0" i="0" dirty="0" err="1">
-                <a:effectLst/>
-              </a:rPr>
-              <a:t>foto's</a:t>
-            </a:r>
-            <a:r>
-              <a:rPr lang="en-US" sz="1400" b="0" i="0" dirty="0">
-                <a:effectLst/>
-              </a:rPr>
-              <a:t>: 4.7s (&gt; 4s)</a:t>
-            </a:r>
-          </a:p>
-          <a:p>
-            <a:pPr>
-              <a:lnSpc>
-                <a:spcPct val="110000"/>
-              </a:lnSpc>
-              <a:spcAft>
-                <a:spcPts val="600"/>
-              </a:spcAft>
-              <a:buSzPct val="87000"/>
-              <a:buFont typeface="Arial" panose="020B0604020202020204" pitchFamily="34" charset="0"/>
-              <a:buChar char="•"/>
-            </a:pPr>
-            <a:r>
-              <a:rPr lang="en-US" sz="1400" b="0" i="0" dirty="0" err="1">
-                <a:effectLst/>
-              </a:rPr>
-              <a:t>Oplossing</a:t>
-            </a:r>
-            <a:r>
-              <a:rPr lang="en-US" sz="1400" b="0" i="0" dirty="0">
-                <a:effectLst/>
-              </a:rPr>
-              <a:t>: Lazy loading, </a:t>
-            </a:r>
-            <a:r>
-              <a:rPr lang="en-US" sz="1400" b="0" i="0" dirty="0" err="1">
-                <a:effectLst/>
-              </a:rPr>
-              <a:t>afbeeldingsoptimalisatie</a:t>
-            </a:r>
-            <a:r>
-              <a:rPr lang="en-US" sz="1400" b="0" i="0" dirty="0">
-                <a:effectLst/>
-              </a:rPr>
-              <a:t>, caching</a:t>
-            </a:r>
+              <a:rPr lang="en-US" sz="3100">
+                <a:effectLst/>
+              </a:rPr>
+              <a:t>(GitHub voor test resultaten)</a:t>
+            </a:r>
+            <a:endParaRPr lang="en-US" sz="3100"/>
           </a:p>
         </p:txBody>
       </p:sp>
@@ -15830,15 +16040,15 @@
         </p:nvPicPr>
         <p:blipFill>
           <a:blip r:embed="rId2"/>
-          <a:srcRect l="10566" r="10566"/>
+          <a:srcRect t="146" r="2" b="2"/>
           <a:stretch>
             <a:fillRect/>
           </a:stretch>
         </p:blipFill>
         <p:spPr>
           <a:xfrm>
-            <a:off x="5671128" y="914399"/>
-            <a:ext cx="6520872" cy="5353521"/>
+            <a:off x="-1" y="1"/>
+            <a:ext cx="5303520" cy="3429000"/>
           </a:xfrm>
           <a:prstGeom prst="rect">
             <a:avLst/>
@@ -15847,10 +16057,10 @@
       </p:pic>
       <p:cxnSp>
         <p:nvCxnSpPr>
-          <p:cNvPr id="22" name="Straight Connector 21">
+          <p:cNvPr id="36" name="Straight Connector 35">
             <a:extLst>
               <a:ext uri="{FF2B5EF4-FFF2-40B4-BE49-F238E27FC236}">
-                <a16:creationId xmlns:a16="http://schemas.microsoft.com/office/drawing/2014/main" id="{92025DBA-8780-9CA0-2826-FF6E3BD1A0C9}"/>
+                <a16:creationId xmlns:a16="http://schemas.microsoft.com/office/drawing/2014/main" id="{691422F5-4221-4812-AFD9-5479C6D60AD9}"/>
               </a:ext>
               <a:ext uri="{C183D7F6-B498-43B3-948B-1728B52AA6E4}">
                 <adec:decorative xmlns:adec="http://schemas.microsoft.com/office/drawing/2017/decorative" val="1"/>
@@ -15869,9 +16079,9 @@
           </p:nvPr>
         </p:nvCxnSpPr>
         <p:spPr>
-          <a:xfrm flipV="1">
-            <a:off x="5672328" y="6267921"/>
-            <a:ext cx="6519672" cy="2"/>
+          <a:xfrm>
+            <a:off x="6190741" y="1031005"/>
+            <a:ext cx="978862" cy="0"/>
           </a:xfrm>
           <a:prstGeom prst="line">
             <a:avLst/>
@@ -15893,6 +16103,673 @@
           </a:fontRef>
         </p:style>
       </p:cxnSp>
+      <p:pic>
+        <p:nvPicPr>
+          <p:cNvPr id="8" name="Picture 7">
+            <a:extLst>
+              <a:ext uri="{FF2B5EF4-FFF2-40B4-BE49-F238E27FC236}">
+                <a16:creationId xmlns:a16="http://schemas.microsoft.com/office/drawing/2014/main" id="{0C134B27-3268-98D2-2728-24E850B543DC}"/>
+              </a:ext>
+            </a:extLst>
+          </p:cNvPr>
+          <p:cNvPicPr>
+            <a:picLocks noChangeAspect="1"/>
+          </p:cNvPicPr>
+          <p:nvPr/>
+        </p:nvPicPr>
+        <p:blipFill>
+          <a:blip r:embed="rId3"/>
+          <a:srcRect t="20253" r="2" b="13435"/>
+          <a:stretch>
+            <a:fillRect/>
+          </a:stretch>
+        </p:blipFill>
+        <p:spPr>
+          <a:xfrm>
+            <a:off x="-1" y="3429000"/>
+            <a:ext cx="5303520" cy="3429000"/>
+          </a:xfrm>
+          <a:prstGeom prst="rect">
+            <a:avLst/>
+          </a:prstGeom>
+        </p:spPr>
+      </p:pic>
+      <p:sp>
+        <p:nvSpPr>
+          <p:cNvPr id="6" name="TextBox 5">
+            <a:extLst>
+              <a:ext uri="{FF2B5EF4-FFF2-40B4-BE49-F238E27FC236}">
+                <a16:creationId xmlns:a16="http://schemas.microsoft.com/office/drawing/2014/main" id="{10621F8C-C759-BF36-8D8D-92E108118CCD}"/>
+              </a:ext>
+            </a:extLst>
+          </p:cNvPr>
+          <p:cNvSpPr txBox="1"/>
+          <p:nvPr/>
+        </p:nvSpPr>
+        <p:spPr>
+          <a:xfrm>
+            <a:off x="6106656" y="2211860"/>
+            <a:ext cx="5424353" cy="4522572"/>
+          </a:xfrm>
+          <a:prstGeom prst="rect">
+            <a:avLst/>
+          </a:prstGeom>
+        </p:spPr>
+        <p:txBody>
+          <a:bodyPr vert="horz" lIns="91440" tIns="45720" rIns="91440" bIns="45720" rtlCol="0">
+            <a:normAutofit/>
+          </a:bodyPr>
+          <a:lstStyle/>
+          <a:p>
+            <a:pPr>
+              <a:lnSpc>
+                <a:spcPct val="110000"/>
+              </a:lnSpc>
+              <a:spcAft>
+                <a:spcPts val="600"/>
+              </a:spcAft>
+              <a:buSzPct val="87000"/>
+              <a:buFont typeface="Arial" panose="020B0604020202020204" pitchFamily="34" charset="0"/>
+              <a:buChar char="•"/>
+            </a:pPr>
+            <a:r>
+              <a:rPr lang="en-US" sz="1100" b="1" i="0" dirty="0" err="1">
+                <a:effectLst/>
+              </a:rPr>
+              <a:t>Testplan</a:t>
+            </a:r>
+            <a:r>
+              <a:rPr lang="en-US" sz="1100" b="1" i="0" dirty="0">
+                <a:effectLst/>
+              </a:rPr>
+              <a:t> &amp; </a:t>
+            </a:r>
+            <a:r>
+              <a:rPr lang="en-US" sz="1100" b="1" i="0" dirty="0" err="1">
+                <a:effectLst/>
+              </a:rPr>
+              <a:t>Uitvoering</a:t>
+            </a:r>
+            <a:endParaRPr lang="en-US" sz="1100" b="1" i="0" dirty="0">
+              <a:effectLst/>
+            </a:endParaRPr>
+          </a:p>
+          <a:p>
+            <a:pPr>
+              <a:lnSpc>
+                <a:spcPct val="110000"/>
+              </a:lnSpc>
+              <a:spcAft>
+                <a:spcPts val="600"/>
+              </a:spcAft>
+              <a:buSzPct val="87000"/>
+              <a:buFont typeface="Arial" panose="020B0604020202020204" pitchFamily="34" charset="0"/>
+              <a:buChar char="•"/>
+            </a:pPr>
+            <a:r>
+              <a:rPr lang="en-US" sz="1100" b="0" i="0" dirty="0" err="1">
+                <a:effectLst/>
+              </a:rPr>
+              <a:t>Systematische</a:t>
+            </a:r>
+            <a:r>
+              <a:rPr lang="en-US" sz="1100" b="0" i="0" dirty="0">
+                <a:effectLst/>
+              </a:rPr>
+              <a:t> </a:t>
+            </a:r>
+            <a:r>
+              <a:rPr lang="en-US" sz="1100" b="0" i="0" dirty="0" err="1">
+                <a:effectLst/>
+              </a:rPr>
+              <a:t>testaanpak</a:t>
+            </a:r>
+            <a:r>
+              <a:rPr lang="en-US" sz="1100" b="0" i="0" dirty="0">
+                <a:effectLst/>
+              </a:rPr>
+              <a:t> met </a:t>
+            </a:r>
+            <a:r>
+              <a:rPr lang="en-US" sz="1100" b="0" i="0" dirty="0" err="1">
+                <a:effectLst/>
+              </a:rPr>
+              <a:t>gedocumenteerde</a:t>
+            </a:r>
+            <a:r>
+              <a:rPr lang="en-US" sz="1100" b="0" i="0" dirty="0">
+                <a:effectLst/>
+              </a:rPr>
+              <a:t> </a:t>
+            </a:r>
+            <a:r>
+              <a:rPr lang="en-US" sz="1100" b="0" i="0" dirty="0" err="1">
+                <a:effectLst/>
+              </a:rPr>
+              <a:t>testscenario's</a:t>
+            </a:r>
+            <a:endParaRPr lang="en-US" sz="1100" b="0" i="0" dirty="0">
+              <a:effectLst/>
+            </a:endParaRPr>
+          </a:p>
+          <a:p>
+            <a:pPr>
+              <a:lnSpc>
+                <a:spcPct val="110000"/>
+              </a:lnSpc>
+              <a:spcAft>
+                <a:spcPts val="600"/>
+              </a:spcAft>
+              <a:buSzPct val="87000"/>
+              <a:buFont typeface="Arial" panose="020B0604020202020204" pitchFamily="34" charset="0"/>
+              <a:buChar char="•"/>
+            </a:pPr>
+            <a:r>
+              <a:rPr lang="en-US" sz="1100" b="0" i="0" dirty="0" err="1">
+                <a:effectLst/>
+              </a:rPr>
+              <a:t>Functionele</a:t>
+            </a:r>
+            <a:r>
+              <a:rPr lang="en-US" sz="1100" b="0" i="0" dirty="0">
+                <a:effectLst/>
+              </a:rPr>
+              <a:t>, </a:t>
+            </a:r>
+            <a:r>
+              <a:rPr lang="en-US" sz="1100" b="0" i="0" dirty="0" err="1">
+                <a:effectLst/>
+              </a:rPr>
+              <a:t>gebruikers</a:t>
+            </a:r>
+            <a:r>
+              <a:rPr lang="en-US" sz="1100" b="0" i="0" dirty="0">
+                <a:effectLst/>
+              </a:rPr>
+              <a:t>-, </a:t>
+            </a:r>
+            <a:r>
+              <a:rPr lang="en-US" sz="1100" b="0" i="0" dirty="0" err="1">
+                <a:effectLst/>
+              </a:rPr>
+              <a:t>beveiligings</a:t>
+            </a:r>
+            <a:r>
+              <a:rPr lang="en-US" sz="1100" b="0" i="0" dirty="0">
+                <a:effectLst/>
+              </a:rPr>
+              <a:t>- </a:t>
+            </a:r>
+            <a:r>
+              <a:rPr lang="en-US" sz="1100" b="0" i="0" dirty="0" err="1">
+                <a:effectLst/>
+              </a:rPr>
+              <a:t>en</a:t>
+            </a:r>
+            <a:r>
+              <a:rPr lang="en-US" sz="1100" b="0" i="0" dirty="0">
+                <a:effectLst/>
+              </a:rPr>
+              <a:t> </a:t>
+            </a:r>
+            <a:r>
+              <a:rPr lang="en-US" sz="1100" b="0" i="0" dirty="0" err="1">
+                <a:effectLst/>
+              </a:rPr>
+              <a:t>performancetests</a:t>
+            </a:r>
+            <a:endParaRPr lang="en-US" sz="1100" b="0" i="0" dirty="0">
+              <a:effectLst/>
+            </a:endParaRPr>
+          </a:p>
+          <a:p>
+            <a:pPr>
+              <a:lnSpc>
+                <a:spcPct val="110000"/>
+              </a:lnSpc>
+              <a:spcAft>
+                <a:spcPts val="600"/>
+              </a:spcAft>
+              <a:buSzPct val="87000"/>
+              <a:buFont typeface="Arial" panose="020B0604020202020204" pitchFamily="34" charset="0"/>
+              <a:buChar char="•"/>
+            </a:pPr>
+            <a:r>
+              <a:rPr lang="en-US" sz="1100" b="0" i="0" dirty="0" err="1">
+                <a:effectLst/>
+              </a:rPr>
+              <a:t>Geautomatiseerde</a:t>
+            </a:r>
+            <a:r>
+              <a:rPr lang="en-US" sz="1100" b="0" i="0" dirty="0">
+                <a:effectLst/>
+              </a:rPr>
+              <a:t> tests </a:t>
+            </a:r>
+            <a:r>
+              <a:rPr lang="en-US" sz="1100" b="0" i="0" dirty="0" err="1">
+                <a:effectLst/>
+              </a:rPr>
+              <a:t>voor</a:t>
+            </a:r>
+            <a:r>
+              <a:rPr lang="en-US" sz="1100" b="0" i="0" dirty="0">
+                <a:effectLst/>
+              </a:rPr>
+              <a:t> </a:t>
+            </a:r>
+            <a:r>
+              <a:rPr lang="en-US" sz="1100" b="0" i="0" dirty="0" err="1">
+                <a:effectLst/>
+              </a:rPr>
+              <a:t>kritieke</a:t>
+            </a:r>
+            <a:r>
+              <a:rPr lang="en-US" sz="1100" b="0" i="0" dirty="0">
+                <a:effectLst/>
+              </a:rPr>
+              <a:t> </a:t>
+            </a:r>
+            <a:r>
+              <a:rPr lang="en-US" sz="1100" b="0" i="0" dirty="0" err="1">
+                <a:effectLst/>
+              </a:rPr>
+              <a:t>functionaliteit</a:t>
+            </a:r>
+            <a:endParaRPr lang="en-US" sz="1100" b="0" i="0" dirty="0">
+              <a:effectLst/>
+            </a:endParaRPr>
+          </a:p>
+          <a:p>
+            <a:pPr>
+              <a:lnSpc>
+                <a:spcPct val="110000"/>
+              </a:lnSpc>
+              <a:spcAft>
+                <a:spcPts val="600"/>
+              </a:spcAft>
+              <a:buSzPct val="87000"/>
+              <a:buFont typeface="Arial" panose="020B0604020202020204" pitchFamily="34" charset="0"/>
+              <a:buChar char="•"/>
+            </a:pPr>
+            <a:r>
+              <a:rPr lang="en-US" sz="1100" b="1" i="0" dirty="0" err="1">
+                <a:effectLst/>
+              </a:rPr>
+              <a:t>Testresultaten</a:t>
+            </a:r>
+            <a:endParaRPr lang="en-US" sz="1100" b="1" i="0" dirty="0">
+              <a:effectLst/>
+            </a:endParaRPr>
+          </a:p>
+          <a:p>
+            <a:pPr>
+              <a:lnSpc>
+                <a:spcPct val="110000"/>
+              </a:lnSpc>
+              <a:spcAft>
+                <a:spcPts val="600"/>
+              </a:spcAft>
+              <a:buSzPct val="87000"/>
+              <a:buFont typeface="Arial" panose="020B0604020202020204" pitchFamily="34" charset="0"/>
+              <a:buChar char="•"/>
+            </a:pPr>
+            <a:r>
+              <a:rPr lang="en-US" sz="1100" b="1" i="0" dirty="0" err="1">
+                <a:effectLst/>
+              </a:rPr>
+              <a:t>Functionele</a:t>
+            </a:r>
+            <a:r>
+              <a:rPr lang="en-US" sz="1100" b="1" i="0" dirty="0">
+                <a:effectLst/>
+              </a:rPr>
+              <a:t> tests</a:t>
+            </a:r>
+            <a:r>
+              <a:rPr lang="en-US" sz="1100" b="0" i="0" dirty="0">
+                <a:effectLst/>
+              </a:rPr>
+              <a:t>: 100% </a:t>
+            </a:r>
+            <a:r>
+              <a:rPr lang="en-US" sz="1100" b="0" i="0" dirty="0" err="1">
+                <a:effectLst/>
+              </a:rPr>
+              <a:t>geslaagd</a:t>
+            </a:r>
+            <a:endParaRPr lang="en-US" sz="1100" b="0" i="0" dirty="0">
+              <a:effectLst/>
+            </a:endParaRPr>
+          </a:p>
+          <a:p>
+            <a:pPr>
+              <a:lnSpc>
+                <a:spcPct val="110000"/>
+              </a:lnSpc>
+              <a:spcAft>
+                <a:spcPts val="600"/>
+              </a:spcAft>
+              <a:buSzPct val="87000"/>
+              <a:buFont typeface="Arial" panose="020B0604020202020204" pitchFamily="34" charset="0"/>
+              <a:buChar char="•"/>
+            </a:pPr>
+            <a:r>
+              <a:rPr lang="en-US" sz="1100" b="1" i="0" dirty="0" err="1">
+                <a:effectLst/>
+              </a:rPr>
+              <a:t>Gebruikersacceptatietests</a:t>
+            </a:r>
+            <a:r>
+              <a:rPr lang="en-US" sz="1100" b="0" i="0" dirty="0">
+                <a:effectLst/>
+              </a:rPr>
+              <a:t>: 100% </a:t>
+            </a:r>
+            <a:r>
+              <a:rPr lang="en-US" sz="1100" b="0" i="0" dirty="0" err="1">
+                <a:effectLst/>
+              </a:rPr>
+              <a:t>geslaagd</a:t>
+            </a:r>
+            <a:endParaRPr lang="en-US" sz="1100" b="0" i="0" dirty="0">
+              <a:effectLst/>
+            </a:endParaRPr>
+          </a:p>
+          <a:p>
+            <a:pPr>
+              <a:lnSpc>
+                <a:spcPct val="110000"/>
+              </a:lnSpc>
+              <a:spcAft>
+                <a:spcPts val="600"/>
+              </a:spcAft>
+              <a:buSzPct val="87000"/>
+              <a:buFont typeface="Arial" panose="020B0604020202020204" pitchFamily="34" charset="0"/>
+              <a:buChar char="•"/>
+            </a:pPr>
+            <a:r>
+              <a:rPr lang="en-US" sz="1100" b="1" i="0" dirty="0" err="1">
+                <a:effectLst/>
+              </a:rPr>
+              <a:t>Beveiligingstests</a:t>
+            </a:r>
+            <a:r>
+              <a:rPr lang="en-US" sz="1100" b="0" i="0" dirty="0">
+                <a:effectLst/>
+              </a:rPr>
+              <a:t>: 100% </a:t>
+            </a:r>
+            <a:r>
+              <a:rPr lang="en-US" sz="1100" b="0" i="0" dirty="0" err="1">
+                <a:effectLst/>
+              </a:rPr>
+              <a:t>geslaagd</a:t>
+            </a:r>
+            <a:endParaRPr lang="en-US" sz="1100" b="0" i="0" dirty="0">
+              <a:effectLst/>
+            </a:endParaRPr>
+          </a:p>
+          <a:p>
+            <a:pPr>
+              <a:lnSpc>
+                <a:spcPct val="110000"/>
+              </a:lnSpc>
+              <a:spcAft>
+                <a:spcPts val="600"/>
+              </a:spcAft>
+              <a:buSzPct val="87000"/>
+              <a:buFont typeface="Arial" panose="020B0604020202020204" pitchFamily="34" charset="0"/>
+              <a:buChar char="•"/>
+            </a:pPr>
+            <a:r>
+              <a:rPr lang="en-US" sz="1100" b="1" i="0" dirty="0" err="1">
+                <a:effectLst/>
+              </a:rPr>
+              <a:t>Responsiviteitstests</a:t>
+            </a:r>
+            <a:r>
+              <a:rPr lang="en-US" sz="1100" b="0" i="0" dirty="0">
+                <a:effectLst/>
+              </a:rPr>
+              <a:t>: 100% </a:t>
+            </a:r>
+            <a:r>
+              <a:rPr lang="en-US" sz="1100" b="0" i="0" dirty="0" err="1">
+                <a:effectLst/>
+              </a:rPr>
+              <a:t>geslaagd</a:t>
+            </a:r>
+            <a:endParaRPr lang="en-US" sz="1100" b="0" i="0" dirty="0">
+              <a:effectLst/>
+            </a:endParaRPr>
+          </a:p>
+          <a:p>
+            <a:pPr>
+              <a:lnSpc>
+                <a:spcPct val="110000"/>
+              </a:lnSpc>
+              <a:spcAft>
+                <a:spcPts val="600"/>
+              </a:spcAft>
+              <a:buSzPct val="87000"/>
+              <a:buFont typeface="Arial" panose="020B0604020202020204" pitchFamily="34" charset="0"/>
+              <a:buChar char="•"/>
+            </a:pPr>
+            <a:r>
+              <a:rPr lang="en-US" sz="1100" b="1" i="0" dirty="0" err="1">
+                <a:effectLst/>
+              </a:rPr>
+              <a:t>Performancetests</a:t>
+            </a:r>
+            <a:r>
+              <a:rPr lang="en-US" sz="1100" b="0" i="0" dirty="0">
+                <a:effectLst/>
+              </a:rPr>
+              <a:t>: 80% </a:t>
+            </a:r>
+            <a:r>
+              <a:rPr lang="en-US" sz="1100" b="0" i="0" dirty="0" err="1">
+                <a:effectLst/>
+              </a:rPr>
+              <a:t>geslaagd</a:t>
+            </a:r>
+            <a:endParaRPr lang="en-US" sz="1100" b="0" i="0" dirty="0">
+              <a:effectLst/>
+            </a:endParaRPr>
+          </a:p>
+          <a:p>
+            <a:pPr>
+              <a:lnSpc>
+                <a:spcPct val="110000"/>
+              </a:lnSpc>
+              <a:spcAft>
+                <a:spcPts val="600"/>
+              </a:spcAft>
+              <a:buSzPct val="87000"/>
+              <a:buFont typeface="Arial" panose="020B0604020202020204" pitchFamily="34" charset="0"/>
+              <a:buChar char="•"/>
+            </a:pPr>
+            <a:r>
+              <a:rPr lang="en-US" sz="1100" b="1" i="0" dirty="0" err="1">
+                <a:effectLst/>
+              </a:rPr>
+              <a:t>Totaal</a:t>
+            </a:r>
+            <a:r>
+              <a:rPr lang="en-US" sz="1100" b="0" i="0" dirty="0">
+                <a:effectLst/>
+              </a:rPr>
+              <a:t>: 98% </a:t>
+            </a:r>
+            <a:r>
+              <a:rPr lang="en-US" sz="1100" b="0" i="0" dirty="0" err="1">
+                <a:effectLst/>
+              </a:rPr>
+              <a:t>geslaagd</a:t>
+            </a:r>
+            <a:endParaRPr lang="en-US" sz="1100" b="0" i="0" dirty="0">
+              <a:effectLst/>
+            </a:endParaRPr>
+          </a:p>
+          <a:p>
+            <a:pPr>
+              <a:lnSpc>
+                <a:spcPct val="110000"/>
+              </a:lnSpc>
+              <a:spcAft>
+                <a:spcPts val="600"/>
+              </a:spcAft>
+              <a:buSzPct val="87000"/>
+              <a:buFont typeface="Arial" panose="020B0604020202020204" pitchFamily="34" charset="0"/>
+              <a:buChar char="•"/>
+            </a:pPr>
+            <a:r>
+              <a:rPr lang="en-US" sz="1100" b="1" i="0" dirty="0" err="1">
+                <a:effectLst/>
+              </a:rPr>
+              <a:t>Gevonden</a:t>
+            </a:r>
+            <a:r>
+              <a:rPr lang="en-US" sz="1100" b="1" i="0" dirty="0">
+                <a:effectLst/>
+              </a:rPr>
+              <a:t> </a:t>
+            </a:r>
+            <a:r>
+              <a:rPr lang="en-US" sz="1100" b="1" i="0" dirty="0" err="1">
+                <a:effectLst/>
+              </a:rPr>
+              <a:t>Probleem</a:t>
+            </a:r>
+            <a:r>
+              <a:rPr lang="en-US" sz="1100" b="1" i="0" dirty="0">
+                <a:effectLst/>
+              </a:rPr>
+              <a:t> &amp; </a:t>
+            </a:r>
+            <a:r>
+              <a:rPr lang="en-US" sz="1100" b="1" i="0" dirty="0" err="1">
+                <a:effectLst/>
+              </a:rPr>
+              <a:t>Oplossing</a:t>
+            </a:r>
+            <a:endParaRPr lang="en-US" sz="1100" b="1" i="0" dirty="0">
+              <a:effectLst/>
+            </a:endParaRPr>
+          </a:p>
+          <a:p>
+            <a:pPr>
+              <a:lnSpc>
+                <a:spcPct val="110000"/>
+              </a:lnSpc>
+              <a:spcAft>
+                <a:spcPts val="600"/>
+              </a:spcAft>
+              <a:buSzPct val="87000"/>
+              <a:buFont typeface="Arial" panose="020B0604020202020204" pitchFamily="34" charset="0"/>
+              <a:buChar char="•"/>
+            </a:pPr>
+            <a:r>
+              <a:rPr lang="en-US" sz="1100" b="0" i="0" dirty="0" err="1">
+                <a:effectLst/>
+              </a:rPr>
+              <a:t>Probleem</a:t>
+            </a:r>
+            <a:r>
+              <a:rPr lang="en-US" sz="1100" b="0" i="0" dirty="0">
+                <a:effectLst/>
+              </a:rPr>
+              <a:t>: </a:t>
+            </a:r>
+            <a:r>
+              <a:rPr lang="en-US" sz="1100" b="0" i="0" dirty="0" err="1">
+                <a:effectLst/>
+              </a:rPr>
+              <a:t>Laadtijd</a:t>
+            </a:r>
+            <a:r>
+              <a:rPr lang="en-US" sz="1100" b="0" i="0" dirty="0">
+                <a:effectLst/>
+              </a:rPr>
+              <a:t> </a:t>
+            </a:r>
+            <a:r>
+              <a:rPr lang="en-US" sz="1100" b="0" i="0" dirty="0" err="1">
+                <a:effectLst/>
+              </a:rPr>
+              <a:t>detailpagina's</a:t>
+            </a:r>
+            <a:r>
+              <a:rPr lang="en-US" sz="1100" b="0" i="0" dirty="0">
+                <a:effectLst/>
+              </a:rPr>
+              <a:t> met </a:t>
+            </a:r>
+            <a:r>
+              <a:rPr lang="en-US" sz="1100" b="0" i="0" dirty="0" err="1">
+                <a:effectLst/>
+              </a:rPr>
+              <a:t>meerdere</a:t>
+            </a:r>
+            <a:r>
+              <a:rPr lang="en-US" sz="1100" b="0" i="0" dirty="0">
+                <a:effectLst/>
+              </a:rPr>
+              <a:t> </a:t>
+            </a:r>
+            <a:r>
+              <a:rPr lang="en-US" sz="1100" b="0" i="0" dirty="0" err="1">
+                <a:effectLst/>
+              </a:rPr>
+              <a:t>foto's</a:t>
+            </a:r>
+            <a:r>
+              <a:rPr lang="en-US" sz="1100" b="0" i="0" dirty="0">
+                <a:effectLst/>
+              </a:rPr>
+              <a:t>: 4.7s (&gt; 4s)</a:t>
+            </a:r>
+          </a:p>
+          <a:p>
+            <a:pPr>
+              <a:lnSpc>
+                <a:spcPct val="110000"/>
+              </a:lnSpc>
+              <a:spcAft>
+                <a:spcPts val="600"/>
+              </a:spcAft>
+              <a:buSzPct val="87000"/>
+              <a:buFont typeface="Arial" panose="020B0604020202020204" pitchFamily="34" charset="0"/>
+              <a:buChar char="•"/>
+            </a:pPr>
+            <a:r>
+              <a:rPr lang="en-US" sz="1100" b="0" i="0" dirty="0" err="1">
+                <a:effectLst/>
+              </a:rPr>
+              <a:t>Oplossing</a:t>
+            </a:r>
+            <a:r>
+              <a:rPr lang="en-US" sz="1100" b="0" i="0" dirty="0">
+                <a:effectLst/>
+              </a:rPr>
+              <a:t>: Lazy loading, </a:t>
+            </a:r>
+            <a:r>
+              <a:rPr lang="en-US" sz="1100" b="0" i="0" dirty="0" err="1">
+                <a:effectLst/>
+              </a:rPr>
+              <a:t>afbeeldingsoptimalisatie</a:t>
+            </a:r>
+            <a:r>
+              <a:rPr lang="en-US" sz="1100" b="0" i="0" dirty="0">
+                <a:effectLst/>
+              </a:rPr>
+              <a:t>, caching</a:t>
+            </a:r>
+          </a:p>
+        </p:txBody>
+      </p:sp>
     </p:spTree>
     <p:extLst>
       <p:ext uri="{BB962C8B-B14F-4D97-AF65-F5344CB8AC3E}">
